--- a/notes/notes/Unilink/overview.pptx
+++ b/notes/notes/Unilink/overview.pptx
@@ -5,7 +5,7 @@
     <p:sldMasterId id="2147483660" r:id="rId1"/>
   </p:sldMasterIdLst>
   <p:notesMasterIdLst>
-    <p:notesMasterId r:id="rId9"/>
+    <p:notesMasterId r:id="rId17"/>
   </p:notesMasterIdLst>
   <p:sldIdLst>
     <p:sldId id="257" r:id="rId2"/>
@@ -15,6 +15,14 @@
     <p:sldId id="262" r:id="rId6"/>
     <p:sldId id="259" r:id="rId7"/>
     <p:sldId id="263" r:id="rId8"/>
+    <p:sldId id="266" r:id="rId9"/>
+    <p:sldId id="264" r:id="rId10"/>
+    <p:sldId id="267" r:id="rId11"/>
+    <p:sldId id="270" r:id="rId12"/>
+    <p:sldId id="268" r:id="rId13"/>
+    <p:sldId id="271" r:id="rId14"/>
+    <p:sldId id="269" r:id="rId15"/>
+    <p:sldId id="272" r:id="rId16"/>
   </p:sldIdLst>
   <p:sldSz cx="9144000" cy="6858000" type="screen4x3"/>
   <p:notesSz cx="6858000" cy="9144000"/>
@@ -469,6 +477,90 @@
     </a:lvl9pPr>
   </p:notesStyle>
 </p:notesMaster>
+</file>
+
+<file path=ppt/notesSlides/notesSlide1.xml><?xml version="1.0" encoding="utf-8"?>
+<p:notes xmlns:a="http://schemas.openxmlformats.org/drawingml/2006/main" xmlns:r="http://schemas.openxmlformats.org/officeDocument/2006/relationships" xmlns:p="http://schemas.openxmlformats.org/presentationml/2006/main">
+  <p:cSld>
+    <p:spTree>
+      <p:nvGrpSpPr>
+        <p:cNvPr id="1" name=""/>
+        <p:cNvGrpSpPr/>
+        <p:nvPr/>
+      </p:nvGrpSpPr>
+      <p:grpSpPr>
+        <a:xfrm>
+          <a:off x="0" y="0"/>
+          <a:ext cx="0" cy="0"/>
+          <a:chOff x="0" y="0"/>
+          <a:chExt cx="0" cy="0"/>
+        </a:xfrm>
+      </p:grpSpPr>
+      <p:sp>
+        <p:nvSpPr>
+          <p:cNvPr id="2" name="Slide Image Placeholder 1"/>
+          <p:cNvSpPr>
+            <a:spLocks noGrp="1" noRot="1" noChangeAspect="1"/>
+          </p:cNvSpPr>
+          <p:nvPr>
+            <p:ph type="sldImg"/>
+          </p:nvPr>
+        </p:nvSpPr>
+        <p:spPr/>
+      </p:sp>
+      <p:sp>
+        <p:nvSpPr>
+          <p:cNvPr id="3" name="Notes Placeholder 2"/>
+          <p:cNvSpPr>
+            <a:spLocks noGrp="1"/>
+          </p:cNvSpPr>
+          <p:nvPr>
+            <p:ph type="body" idx="1"/>
+          </p:nvPr>
+        </p:nvSpPr>
+        <p:spPr/>
+        <p:txBody>
+          <a:bodyPr/>
+          <a:lstStyle/>
+          <a:p>
+            <a:endParaRPr kumimoji="1" lang="zh-CN" altLang="en-US" dirty="0"/>
+          </a:p>
+        </p:txBody>
+      </p:sp>
+      <p:sp>
+        <p:nvSpPr>
+          <p:cNvPr id="4" name="Slide Number Placeholder 3"/>
+          <p:cNvSpPr>
+            <a:spLocks noGrp="1"/>
+          </p:cNvSpPr>
+          <p:nvPr>
+            <p:ph type="sldNum" sz="quarter" idx="5"/>
+          </p:nvPr>
+        </p:nvSpPr>
+        <p:spPr/>
+        <p:txBody>
+          <a:bodyPr/>
+          <a:lstStyle/>
+          <a:p>
+            <a:fld id="{9A852FB5-1F09-5546-B530-97D4A6D60E74}" type="slidenum">
+              <a:rPr lang="en-CN" smtClean="0"/>
+              <a:t>1</a:t>
+            </a:fld>
+            <a:endParaRPr lang="en-CN"/>
+          </a:p>
+        </p:txBody>
+      </p:sp>
+    </p:spTree>
+    <p:extLst>
+      <p:ext uri="{BB962C8B-B14F-4D97-AF65-F5344CB8AC3E}">
+        <p14:creationId xmlns:p14="http://schemas.microsoft.com/office/powerpoint/2010/main" val="1668306737"/>
+      </p:ext>
+    </p:extLst>
+  </p:cSld>
+  <p:clrMapOvr>
+    <a:masterClrMapping/>
+  </p:clrMapOvr>
+</p:notes>
 </file>
 
 <file path=ppt/slideLayouts/slideLayout1.xml><?xml version="1.0" encoding="utf-8"?>
@@ -1543,7 +1635,7 @@
           <p:nvPr/>
         </p:nvPicPr>
         <p:blipFill>
-          <a:blip r:embed="rId2"/>
+          <a:blip r:embed="rId3"/>
           <a:stretch>
             <a:fillRect/>
           </a:stretch>
@@ -1769,6 +1861,1994 @@
 </p:sld>
 </file>
 
+<file path=ppt/slides/slide10.xml><?xml version="1.0" encoding="utf-8"?>
+<p:sld xmlns:a="http://schemas.openxmlformats.org/drawingml/2006/main" xmlns:r="http://schemas.openxmlformats.org/officeDocument/2006/relationships" xmlns:p="http://schemas.openxmlformats.org/presentationml/2006/main">
+  <p:cSld>
+    <p:spTree>
+      <p:nvGrpSpPr>
+        <p:cNvPr id="1" name=""/>
+        <p:cNvGrpSpPr/>
+        <p:nvPr/>
+      </p:nvGrpSpPr>
+      <p:grpSpPr>
+        <a:xfrm>
+          <a:off x="0" y="0"/>
+          <a:ext cx="0" cy="0"/>
+          <a:chOff x="0" y="0"/>
+          <a:chExt cx="0" cy="0"/>
+        </a:xfrm>
+      </p:grpSpPr>
+      <p:sp>
+        <p:nvSpPr>
+          <p:cNvPr id="2" name="Slide Number Placeholder 1">
+            <a:extLst>
+              <a:ext uri="{FF2B5EF4-FFF2-40B4-BE49-F238E27FC236}">
+                <a16:creationId xmlns:a16="http://schemas.microsoft.com/office/drawing/2014/main" id="{FFF0F4F4-5874-CC7E-D4C3-5D311621CEC7}"/>
+              </a:ext>
+            </a:extLst>
+          </p:cNvPr>
+          <p:cNvSpPr>
+            <a:spLocks noGrp="1"/>
+          </p:cNvSpPr>
+          <p:nvPr>
+            <p:ph type="sldNum" sz="quarter" idx="12"/>
+          </p:nvPr>
+        </p:nvSpPr>
+        <p:spPr/>
+        <p:txBody>
+          <a:bodyPr/>
+          <a:lstStyle/>
+          <a:p>
+            <a:fld id="{7A304655-5D53-B746-8252-3F5A598C52D3}" type="slidenum">
+              <a:rPr lang="en-CN" smtClean="0"/>
+              <a:pPr/>
+              <a:t>10</a:t>
+            </a:fld>
+            <a:endParaRPr lang="en-CN"/>
+          </a:p>
+        </p:txBody>
+      </p:sp>
+      <p:sp>
+        <p:nvSpPr>
+          <p:cNvPr id="3" name="Title 2">
+            <a:extLst>
+              <a:ext uri="{FF2B5EF4-FFF2-40B4-BE49-F238E27FC236}">
+                <a16:creationId xmlns:a16="http://schemas.microsoft.com/office/drawing/2014/main" id="{82015B4C-25DD-A46F-19E2-814D60FBAAA2}"/>
+              </a:ext>
+            </a:extLst>
+          </p:cNvPr>
+          <p:cNvSpPr>
+            <a:spLocks noGrp="1"/>
+          </p:cNvSpPr>
+          <p:nvPr>
+            <p:ph type="title"/>
+          </p:nvPr>
+        </p:nvSpPr>
+        <p:spPr/>
+        <p:txBody>
+          <a:bodyPr/>
+          <a:lstStyle/>
+          <a:p>
+            <a:r>
+              <a:rPr kumimoji="1" lang="zh-CN" altLang="en-US" dirty="0"/>
+              <a:t>受教育是为了什么</a:t>
+            </a:r>
+            <a:r>
+              <a:rPr kumimoji="1" lang="en-US" altLang="zh-CN" dirty="0"/>
+              <a:t>?</a:t>
+            </a:r>
+            <a:r>
+              <a:rPr kumimoji="1" lang="zh-CN" altLang="en-US" dirty="0"/>
+              <a:t> </a:t>
+            </a:r>
+          </a:p>
+        </p:txBody>
+      </p:sp>
+      <p:sp>
+        <p:nvSpPr>
+          <p:cNvPr id="14" name="TextBox 13">
+            <a:extLst>
+              <a:ext uri="{FF2B5EF4-FFF2-40B4-BE49-F238E27FC236}">
+                <a16:creationId xmlns:a16="http://schemas.microsoft.com/office/drawing/2014/main" id="{37AB16AF-FCE6-B40B-E654-9CCC6A538839}"/>
+              </a:ext>
+            </a:extLst>
+          </p:cNvPr>
+          <p:cNvSpPr txBox="1"/>
+          <p:nvPr/>
+        </p:nvSpPr>
+        <p:spPr>
+          <a:xfrm>
+            <a:off x="628650" y="1397726"/>
+            <a:ext cx="2954655" cy="646331"/>
+          </a:xfrm>
+          <a:prstGeom prst="rect">
+            <a:avLst/>
+          </a:prstGeom>
+          <a:noFill/>
+        </p:spPr>
+        <p:txBody>
+          <a:bodyPr wrap="none" rtlCol="0">
+            <a:spAutoFit/>
+          </a:bodyPr>
+          <a:lstStyle/>
+          <a:p>
+            <a:r>
+              <a:rPr kumimoji="1" lang="en-US" altLang="zh-CN" dirty="0"/>
+              <a:t>-</a:t>
+            </a:r>
+            <a:r>
+              <a:rPr kumimoji="1" lang="zh-CN" altLang="en-US" dirty="0"/>
+              <a:t> 如果没用</a:t>
+            </a:r>
+            <a:r>
+              <a:rPr kumimoji="1" lang="en-US" altLang="zh-CN" dirty="0"/>
+              <a:t>,</a:t>
+            </a:r>
+            <a:r>
+              <a:rPr kumimoji="1" lang="zh-CN" altLang="en-US" dirty="0"/>
+              <a:t> 不做不就好了</a:t>
+            </a:r>
+            <a:r>
+              <a:rPr kumimoji="1" lang="en-US" altLang="zh-CN" dirty="0"/>
+              <a:t>?</a:t>
+            </a:r>
+            <a:r>
+              <a:rPr kumimoji="1" lang="zh-CN" altLang="en-US" dirty="0"/>
+              <a:t> </a:t>
+            </a:r>
+            <a:endParaRPr kumimoji="1" lang="en-US" altLang="zh-CN" dirty="0"/>
+          </a:p>
+          <a:p>
+            <a:endParaRPr kumimoji="1" lang="zh-CN" altLang="en-US" dirty="0"/>
+          </a:p>
+        </p:txBody>
+      </p:sp>
+    </p:spTree>
+    <p:extLst>
+      <p:ext uri="{BB962C8B-B14F-4D97-AF65-F5344CB8AC3E}">
+        <p14:creationId xmlns:p14="http://schemas.microsoft.com/office/powerpoint/2010/main" val="1070242184"/>
+      </p:ext>
+    </p:extLst>
+  </p:cSld>
+  <p:clrMapOvr>
+    <a:masterClrMapping/>
+  </p:clrMapOvr>
+</p:sld>
+</file>
+
+<file path=ppt/slides/slide11.xml><?xml version="1.0" encoding="utf-8"?>
+<p:sld xmlns:a="http://schemas.openxmlformats.org/drawingml/2006/main" xmlns:r="http://schemas.openxmlformats.org/officeDocument/2006/relationships" xmlns:p="http://schemas.openxmlformats.org/presentationml/2006/main">
+  <p:cSld>
+    <p:spTree>
+      <p:nvGrpSpPr>
+        <p:cNvPr id="1" name=""/>
+        <p:cNvGrpSpPr/>
+        <p:nvPr/>
+      </p:nvGrpSpPr>
+      <p:grpSpPr>
+        <a:xfrm>
+          <a:off x="0" y="0"/>
+          <a:ext cx="0" cy="0"/>
+          <a:chOff x="0" y="0"/>
+          <a:chExt cx="0" cy="0"/>
+        </a:xfrm>
+      </p:grpSpPr>
+      <p:sp>
+        <p:nvSpPr>
+          <p:cNvPr id="2" name="Slide Number Placeholder 1">
+            <a:extLst>
+              <a:ext uri="{FF2B5EF4-FFF2-40B4-BE49-F238E27FC236}">
+                <a16:creationId xmlns:a16="http://schemas.microsoft.com/office/drawing/2014/main" id="{FFF0F4F4-5874-CC7E-D4C3-5D311621CEC7}"/>
+              </a:ext>
+            </a:extLst>
+          </p:cNvPr>
+          <p:cNvSpPr>
+            <a:spLocks noGrp="1"/>
+          </p:cNvSpPr>
+          <p:nvPr>
+            <p:ph type="sldNum" sz="quarter" idx="12"/>
+          </p:nvPr>
+        </p:nvSpPr>
+        <p:spPr/>
+        <p:txBody>
+          <a:bodyPr/>
+          <a:lstStyle/>
+          <a:p>
+            <a:fld id="{7A304655-5D53-B746-8252-3F5A598C52D3}" type="slidenum">
+              <a:rPr lang="en-CN" smtClean="0"/>
+              <a:pPr/>
+              <a:t>11</a:t>
+            </a:fld>
+            <a:endParaRPr lang="en-CN"/>
+          </a:p>
+        </p:txBody>
+      </p:sp>
+      <p:sp>
+        <p:nvSpPr>
+          <p:cNvPr id="3" name="Title 2">
+            <a:extLst>
+              <a:ext uri="{FF2B5EF4-FFF2-40B4-BE49-F238E27FC236}">
+                <a16:creationId xmlns:a16="http://schemas.microsoft.com/office/drawing/2014/main" id="{82015B4C-25DD-A46F-19E2-814D60FBAAA2}"/>
+              </a:ext>
+            </a:extLst>
+          </p:cNvPr>
+          <p:cNvSpPr>
+            <a:spLocks noGrp="1"/>
+          </p:cNvSpPr>
+          <p:nvPr>
+            <p:ph type="title"/>
+          </p:nvPr>
+        </p:nvSpPr>
+        <p:spPr/>
+        <p:txBody>
+          <a:bodyPr/>
+          <a:lstStyle/>
+          <a:p>
+            <a:r>
+              <a:rPr kumimoji="1" lang="zh-CN" altLang="en-US" dirty="0"/>
+              <a:t>受教育是为了什么</a:t>
+            </a:r>
+            <a:r>
+              <a:rPr kumimoji="1" lang="en-US" altLang="zh-CN" dirty="0"/>
+              <a:t>?</a:t>
+            </a:r>
+            <a:r>
+              <a:rPr kumimoji="1" lang="zh-CN" altLang="en-US" dirty="0"/>
+              <a:t> </a:t>
+            </a:r>
+          </a:p>
+        </p:txBody>
+      </p:sp>
+      <p:pic>
+        <p:nvPicPr>
+          <p:cNvPr id="1026" name="Picture 2" descr="郑州市 郑州市第一中学 王瑞瑶 2018年校内化学课">
+            <a:extLst>
+              <a:ext uri="{FF2B5EF4-FFF2-40B4-BE49-F238E27FC236}">
+                <a16:creationId xmlns:a16="http://schemas.microsoft.com/office/drawing/2014/main" id="{F0E2119F-A29B-5B6D-ECA2-BA4BDE97AB85}"/>
+              </a:ext>
+            </a:extLst>
+          </p:cNvPr>
+          <p:cNvPicPr>
+            <a:picLocks noChangeAspect="1" noChangeArrowheads="1"/>
+          </p:cNvPicPr>
+          <p:nvPr/>
+        </p:nvPicPr>
+        <p:blipFill>
+          <a:blip r:embed="rId2">
+            <a:extLst>
+              <a:ext uri="{28A0092B-C50C-407E-A947-70E740481C1C}">
+                <a14:useLocalDpi xmlns:a14="http://schemas.microsoft.com/office/drawing/2010/main" val="0"/>
+              </a:ext>
+            </a:extLst>
+          </a:blip>
+          <a:srcRect/>
+          <a:stretch>
+            <a:fillRect/>
+          </a:stretch>
+        </p:blipFill>
+        <p:spPr bwMode="auto">
+          <a:xfrm>
+            <a:off x="288815" y="1453848"/>
+            <a:ext cx="4283185" cy="2852601"/>
+          </a:xfrm>
+          <a:prstGeom prst="rect">
+            <a:avLst/>
+          </a:prstGeom>
+          <a:noFill/>
+          <a:extLst>
+            <a:ext uri="{909E8E84-426E-40DD-AFC4-6F175D3DCCD1}">
+              <a14:hiddenFill xmlns:a14="http://schemas.microsoft.com/office/drawing/2010/main">
+                <a:solidFill>
+                  <a:srgbClr val="FFFFFF"/>
+                </a:solidFill>
+              </a14:hiddenFill>
+            </a:ext>
+          </a:extLst>
+        </p:spPr>
+      </p:pic>
+      <p:sp>
+        <p:nvSpPr>
+          <p:cNvPr id="4" name="TextBox 3">
+            <a:extLst>
+              <a:ext uri="{FF2B5EF4-FFF2-40B4-BE49-F238E27FC236}">
+                <a16:creationId xmlns:a16="http://schemas.microsoft.com/office/drawing/2014/main" id="{183DF920-4559-843E-A9E5-A8A7638D1CDE}"/>
+              </a:ext>
+            </a:extLst>
+          </p:cNvPr>
+          <p:cNvSpPr txBox="1"/>
+          <p:nvPr/>
+        </p:nvSpPr>
+        <p:spPr>
+          <a:xfrm>
+            <a:off x="1042847" y="4535107"/>
+            <a:ext cx="2775119" cy="369332"/>
+          </a:xfrm>
+          <a:prstGeom prst="rect">
+            <a:avLst/>
+          </a:prstGeom>
+          <a:noFill/>
+        </p:spPr>
+        <p:txBody>
+          <a:bodyPr wrap="none" rtlCol="0">
+            <a:spAutoFit/>
+          </a:bodyPr>
+          <a:lstStyle/>
+          <a:p>
+            <a:r>
+              <a:rPr kumimoji="1" lang="zh-CN" altLang="en-US" dirty="0"/>
+              <a:t>王瑞瑶 </a:t>
+            </a:r>
+            <a:r>
+              <a:rPr kumimoji="1" lang="en-US" altLang="zh-CN" dirty="0"/>
+              <a:t>(</a:t>
+            </a:r>
+            <a:r>
+              <a:rPr kumimoji="1" lang="zh-CN" altLang="en-US" dirty="0"/>
+              <a:t>前郑州一中教师</a:t>
+            </a:r>
+            <a:r>
+              <a:rPr kumimoji="1" lang="en-US" altLang="zh-CN" dirty="0"/>
+              <a:t>)</a:t>
+            </a:r>
+            <a:endParaRPr kumimoji="1" lang="zh-CN" altLang="en-US" dirty="0"/>
+          </a:p>
+        </p:txBody>
+      </p:sp>
+      <p:sp>
+        <p:nvSpPr>
+          <p:cNvPr id="11" name="TextBox 10">
+            <a:extLst>
+              <a:ext uri="{FF2B5EF4-FFF2-40B4-BE49-F238E27FC236}">
+                <a16:creationId xmlns:a16="http://schemas.microsoft.com/office/drawing/2014/main" id="{B2769F27-5363-9B72-2F1E-D0DE7FBED8AC}"/>
+              </a:ext>
+            </a:extLst>
+          </p:cNvPr>
+          <p:cNvSpPr txBox="1"/>
+          <p:nvPr/>
+        </p:nvSpPr>
+        <p:spPr>
+          <a:xfrm>
+            <a:off x="4923538" y="1595810"/>
+            <a:ext cx="4140877" cy="646331"/>
+          </a:xfrm>
+          <a:prstGeom prst="rect">
+            <a:avLst/>
+          </a:prstGeom>
+          <a:noFill/>
+        </p:spPr>
+        <p:txBody>
+          <a:bodyPr wrap="none" rtlCol="0">
+            <a:spAutoFit/>
+          </a:bodyPr>
+          <a:lstStyle/>
+          <a:p>
+            <a:pPr marL="285750" indent="-285750">
+              <a:buFontTx/>
+              <a:buChar char="-"/>
+            </a:pPr>
+            <a:r>
+              <a:rPr kumimoji="1" lang="zh-CN" altLang="en-US" dirty="0"/>
+              <a:t>我们</a:t>
+            </a:r>
+            <a:r>
+              <a:rPr kumimoji="1" lang="en-US" altLang="zh-CN" dirty="0"/>
+              <a:t>(2214)</a:t>
+            </a:r>
+            <a:r>
+              <a:rPr kumimoji="1" lang="zh-CN" altLang="en-US" dirty="0"/>
+              <a:t>是他带的最后一届高三班</a:t>
+            </a:r>
+            <a:endParaRPr kumimoji="1" lang="en-US" altLang="zh-CN" dirty="0"/>
+          </a:p>
+          <a:p>
+            <a:pPr marL="285750" indent="-285750">
+              <a:buFontTx/>
+              <a:buChar char="-"/>
+            </a:pPr>
+            <a:endParaRPr kumimoji="1" lang="zh-CN" altLang="en-US" dirty="0"/>
+          </a:p>
+        </p:txBody>
+      </p:sp>
+      <p:pic>
+        <p:nvPicPr>
+          <p:cNvPr id="13" name="Picture 12">
+            <a:extLst>
+              <a:ext uri="{FF2B5EF4-FFF2-40B4-BE49-F238E27FC236}">
+                <a16:creationId xmlns:a16="http://schemas.microsoft.com/office/drawing/2014/main" id="{90161A2F-0E26-EFE6-D726-7E78A7C6B70E}"/>
+              </a:ext>
+            </a:extLst>
+          </p:cNvPr>
+          <p:cNvPicPr>
+            <a:picLocks noChangeAspect="1"/>
+          </p:cNvPicPr>
+          <p:nvPr/>
+        </p:nvPicPr>
+        <p:blipFill>
+          <a:blip r:embed="rId3"/>
+          <a:stretch>
+            <a:fillRect/>
+          </a:stretch>
+        </p:blipFill>
+        <p:spPr>
+          <a:xfrm>
+            <a:off x="4102782" y="3001550"/>
+            <a:ext cx="4948595" cy="2260640"/>
+          </a:xfrm>
+          <a:prstGeom prst="rect">
+            <a:avLst/>
+          </a:prstGeom>
+          <a:effectLst>
+            <a:outerShdw blurRad="50800" dist="38100" algn="l" rotWithShape="0">
+              <a:prstClr val="black">
+                <a:alpha val="40000"/>
+              </a:prstClr>
+            </a:outerShdw>
+          </a:effectLst>
+        </p:spPr>
+      </p:pic>
+    </p:spTree>
+    <p:extLst>
+      <p:ext uri="{BB962C8B-B14F-4D97-AF65-F5344CB8AC3E}">
+        <p14:creationId xmlns:p14="http://schemas.microsoft.com/office/powerpoint/2010/main" val="1388540952"/>
+      </p:ext>
+    </p:extLst>
+  </p:cSld>
+  <p:clrMapOvr>
+    <a:masterClrMapping/>
+  </p:clrMapOvr>
+</p:sld>
+</file>
+
+<file path=ppt/slides/slide12.xml><?xml version="1.0" encoding="utf-8"?>
+<p:sld xmlns:a="http://schemas.openxmlformats.org/drawingml/2006/main" xmlns:r="http://schemas.openxmlformats.org/officeDocument/2006/relationships" xmlns:p="http://schemas.openxmlformats.org/presentationml/2006/main">
+  <p:cSld>
+    <p:spTree>
+      <p:nvGrpSpPr>
+        <p:cNvPr id="1" name=""/>
+        <p:cNvGrpSpPr/>
+        <p:nvPr/>
+      </p:nvGrpSpPr>
+      <p:grpSpPr>
+        <a:xfrm>
+          <a:off x="0" y="0"/>
+          <a:ext cx="0" cy="0"/>
+          <a:chOff x="0" y="0"/>
+          <a:chExt cx="0" cy="0"/>
+        </a:xfrm>
+      </p:grpSpPr>
+      <p:sp>
+        <p:nvSpPr>
+          <p:cNvPr id="2" name="Slide Number Placeholder 1">
+            <a:extLst>
+              <a:ext uri="{FF2B5EF4-FFF2-40B4-BE49-F238E27FC236}">
+                <a16:creationId xmlns:a16="http://schemas.microsoft.com/office/drawing/2014/main" id="{FFF0F4F4-5874-CC7E-D4C3-5D311621CEC7}"/>
+              </a:ext>
+            </a:extLst>
+          </p:cNvPr>
+          <p:cNvSpPr>
+            <a:spLocks noGrp="1"/>
+          </p:cNvSpPr>
+          <p:nvPr>
+            <p:ph type="sldNum" sz="quarter" idx="12"/>
+          </p:nvPr>
+        </p:nvSpPr>
+        <p:spPr/>
+        <p:txBody>
+          <a:bodyPr/>
+          <a:lstStyle/>
+          <a:p>
+            <a:fld id="{7A304655-5D53-B746-8252-3F5A598C52D3}" type="slidenum">
+              <a:rPr lang="en-CN" smtClean="0"/>
+              <a:pPr/>
+              <a:t>12</a:t>
+            </a:fld>
+            <a:endParaRPr lang="en-CN"/>
+          </a:p>
+        </p:txBody>
+      </p:sp>
+      <p:sp>
+        <p:nvSpPr>
+          <p:cNvPr id="3" name="Title 2">
+            <a:extLst>
+              <a:ext uri="{FF2B5EF4-FFF2-40B4-BE49-F238E27FC236}">
+                <a16:creationId xmlns:a16="http://schemas.microsoft.com/office/drawing/2014/main" id="{82015B4C-25DD-A46F-19E2-814D60FBAAA2}"/>
+              </a:ext>
+            </a:extLst>
+          </p:cNvPr>
+          <p:cNvSpPr>
+            <a:spLocks noGrp="1"/>
+          </p:cNvSpPr>
+          <p:nvPr>
+            <p:ph type="title"/>
+          </p:nvPr>
+        </p:nvSpPr>
+        <p:spPr/>
+        <p:txBody>
+          <a:bodyPr/>
+          <a:lstStyle/>
+          <a:p>
+            <a:r>
+              <a:rPr kumimoji="1" lang="zh-CN" altLang="en-US" dirty="0"/>
+              <a:t>受教育是为了什么</a:t>
+            </a:r>
+            <a:r>
+              <a:rPr kumimoji="1" lang="en-US" altLang="zh-CN" dirty="0"/>
+              <a:t>?</a:t>
+            </a:r>
+            <a:r>
+              <a:rPr kumimoji="1" lang="zh-CN" altLang="en-US" dirty="0"/>
+              <a:t> </a:t>
+            </a:r>
+          </a:p>
+        </p:txBody>
+      </p:sp>
+      <p:pic>
+        <p:nvPicPr>
+          <p:cNvPr id="1026" name="Picture 2" descr="郑州市 郑州市第一中学 王瑞瑶 2018年校内化学课">
+            <a:extLst>
+              <a:ext uri="{FF2B5EF4-FFF2-40B4-BE49-F238E27FC236}">
+                <a16:creationId xmlns:a16="http://schemas.microsoft.com/office/drawing/2014/main" id="{F0E2119F-A29B-5B6D-ECA2-BA4BDE97AB85}"/>
+              </a:ext>
+            </a:extLst>
+          </p:cNvPr>
+          <p:cNvPicPr>
+            <a:picLocks noChangeAspect="1" noChangeArrowheads="1"/>
+          </p:cNvPicPr>
+          <p:nvPr/>
+        </p:nvPicPr>
+        <p:blipFill>
+          <a:blip r:embed="rId2">
+            <a:extLst>
+              <a:ext uri="{28A0092B-C50C-407E-A947-70E740481C1C}">
+                <a14:useLocalDpi xmlns:a14="http://schemas.microsoft.com/office/drawing/2010/main" val="0"/>
+              </a:ext>
+            </a:extLst>
+          </a:blip>
+          <a:srcRect/>
+          <a:stretch>
+            <a:fillRect/>
+          </a:stretch>
+        </p:blipFill>
+        <p:spPr bwMode="auto">
+          <a:xfrm>
+            <a:off x="288815" y="1453848"/>
+            <a:ext cx="4283185" cy="2852601"/>
+          </a:xfrm>
+          <a:prstGeom prst="rect">
+            <a:avLst/>
+          </a:prstGeom>
+          <a:noFill/>
+          <a:extLst>
+            <a:ext uri="{909E8E84-426E-40DD-AFC4-6F175D3DCCD1}">
+              <a14:hiddenFill xmlns:a14="http://schemas.microsoft.com/office/drawing/2010/main">
+                <a:solidFill>
+                  <a:srgbClr val="FFFFFF"/>
+                </a:solidFill>
+              </a14:hiddenFill>
+            </a:ext>
+          </a:extLst>
+        </p:spPr>
+      </p:pic>
+      <p:sp>
+        <p:nvSpPr>
+          <p:cNvPr id="4" name="TextBox 3">
+            <a:extLst>
+              <a:ext uri="{FF2B5EF4-FFF2-40B4-BE49-F238E27FC236}">
+                <a16:creationId xmlns:a16="http://schemas.microsoft.com/office/drawing/2014/main" id="{183DF920-4559-843E-A9E5-A8A7638D1CDE}"/>
+              </a:ext>
+            </a:extLst>
+          </p:cNvPr>
+          <p:cNvSpPr txBox="1"/>
+          <p:nvPr/>
+        </p:nvSpPr>
+        <p:spPr>
+          <a:xfrm>
+            <a:off x="1042847" y="4535107"/>
+            <a:ext cx="2775119" cy="369332"/>
+          </a:xfrm>
+          <a:prstGeom prst="rect">
+            <a:avLst/>
+          </a:prstGeom>
+          <a:noFill/>
+        </p:spPr>
+        <p:txBody>
+          <a:bodyPr wrap="none" rtlCol="0">
+            <a:spAutoFit/>
+          </a:bodyPr>
+          <a:lstStyle/>
+          <a:p>
+            <a:r>
+              <a:rPr kumimoji="1" lang="zh-CN" altLang="en-US" dirty="0"/>
+              <a:t>王瑞瑶 </a:t>
+            </a:r>
+            <a:r>
+              <a:rPr kumimoji="1" lang="en-US" altLang="zh-CN" dirty="0"/>
+              <a:t>(</a:t>
+            </a:r>
+            <a:r>
+              <a:rPr kumimoji="1" lang="zh-CN" altLang="en-US" dirty="0"/>
+              <a:t>前郑州一中教师</a:t>
+            </a:r>
+            <a:r>
+              <a:rPr kumimoji="1" lang="en-US" altLang="zh-CN" dirty="0"/>
+              <a:t>)</a:t>
+            </a:r>
+            <a:endParaRPr kumimoji="1" lang="zh-CN" altLang="en-US" dirty="0"/>
+          </a:p>
+        </p:txBody>
+      </p:sp>
+      <p:sp>
+        <p:nvSpPr>
+          <p:cNvPr id="11" name="TextBox 10">
+            <a:extLst>
+              <a:ext uri="{FF2B5EF4-FFF2-40B4-BE49-F238E27FC236}">
+                <a16:creationId xmlns:a16="http://schemas.microsoft.com/office/drawing/2014/main" id="{B2769F27-5363-9B72-2F1E-D0DE7FBED8AC}"/>
+              </a:ext>
+            </a:extLst>
+          </p:cNvPr>
+          <p:cNvSpPr txBox="1"/>
+          <p:nvPr/>
+        </p:nvSpPr>
+        <p:spPr>
+          <a:xfrm>
+            <a:off x="4934185" y="1604295"/>
+            <a:ext cx="4140877" cy="646331"/>
+          </a:xfrm>
+          <a:prstGeom prst="rect">
+            <a:avLst/>
+          </a:prstGeom>
+          <a:noFill/>
+        </p:spPr>
+        <p:txBody>
+          <a:bodyPr wrap="none" rtlCol="0">
+            <a:spAutoFit/>
+          </a:bodyPr>
+          <a:lstStyle/>
+          <a:p>
+            <a:pPr marL="285750" indent="-285750">
+              <a:buFontTx/>
+              <a:buChar char="-"/>
+            </a:pPr>
+            <a:r>
+              <a:rPr kumimoji="1" lang="zh-CN" altLang="en-US" dirty="0"/>
+              <a:t>我们</a:t>
+            </a:r>
+            <a:r>
+              <a:rPr kumimoji="1" lang="en-US" altLang="zh-CN" dirty="0"/>
+              <a:t>(2214)</a:t>
+            </a:r>
+            <a:r>
+              <a:rPr kumimoji="1" lang="zh-CN" altLang="en-US" dirty="0"/>
+              <a:t>是他带的最后一届高三班</a:t>
+            </a:r>
+            <a:endParaRPr kumimoji="1" lang="en-US" altLang="zh-CN" dirty="0"/>
+          </a:p>
+          <a:p>
+            <a:pPr marL="285750" indent="-285750">
+              <a:buFontTx/>
+              <a:buChar char="-"/>
+            </a:pPr>
+            <a:endParaRPr kumimoji="1" lang="zh-CN" altLang="en-US" dirty="0"/>
+          </a:p>
+        </p:txBody>
+      </p:sp>
+      <p:grpSp>
+        <p:nvGrpSpPr>
+          <p:cNvPr id="8" name="Group 7">
+            <a:extLst>
+              <a:ext uri="{FF2B5EF4-FFF2-40B4-BE49-F238E27FC236}">
+                <a16:creationId xmlns:a16="http://schemas.microsoft.com/office/drawing/2014/main" id="{93F7B6D6-5114-C2EB-F608-08FD61FEF385}"/>
+              </a:ext>
+            </a:extLst>
+          </p:cNvPr>
+          <p:cNvGrpSpPr/>
+          <p:nvPr/>
+        </p:nvGrpSpPr>
+        <p:grpSpPr>
+          <a:xfrm>
+            <a:off x="4661449" y="2094368"/>
+            <a:ext cx="4413613" cy="1571560"/>
+            <a:chOff x="628650" y="2280213"/>
+            <a:chExt cx="4413613" cy="1571560"/>
+          </a:xfrm>
+        </p:grpSpPr>
+        <p:sp>
+          <p:nvSpPr>
+            <p:cNvPr id="9" name="Rounded Rectangle 8">
+              <a:extLst>
+                <a:ext uri="{FF2B5EF4-FFF2-40B4-BE49-F238E27FC236}">
+                  <a16:creationId xmlns:a16="http://schemas.microsoft.com/office/drawing/2014/main" id="{A039BB2E-C27D-34AD-2FDD-532B839BE117}"/>
+                </a:ext>
+              </a:extLst>
+            </p:cNvPr>
+            <p:cNvSpPr/>
+            <p:nvPr/>
+          </p:nvSpPr>
+          <p:spPr>
+            <a:xfrm>
+              <a:off x="628650" y="2592729"/>
+              <a:ext cx="4413613" cy="1259044"/>
+            </a:xfrm>
+            <a:prstGeom prst="roundRect">
+              <a:avLst/>
+            </a:prstGeom>
+            <a:solidFill>
+              <a:schemeClr val="accent1">
+                <a:alpha val="22261"/>
+              </a:schemeClr>
+            </a:solidFill>
+            <a:ln>
+              <a:solidFill>
+                <a:schemeClr val="accent1">
+                  <a:shade val="50000"/>
+                </a:schemeClr>
+              </a:solidFill>
+            </a:ln>
+            <a:effectLst>
+              <a:outerShdw blurRad="50800" dist="38100" algn="l" rotWithShape="0">
+                <a:prstClr val="black">
+                  <a:alpha val="40000"/>
+                </a:prstClr>
+              </a:outerShdw>
+            </a:effectLst>
+          </p:spPr>
+          <p:style>
+            <a:lnRef idx="2">
+              <a:schemeClr val="accent1">
+                <a:shade val="50000"/>
+              </a:schemeClr>
+            </a:lnRef>
+            <a:fillRef idx="1">
+              <a:schemeClr val="accent1"/>
+            </a:fillRef>
+            <a:effectRef idx="0">
+              <a:schemeClr val="accent1"/>
+            </a:effectRef>
+            <a:fontRef idx="minor">
+              <a:schemeClr val="lt1"/>
+            </a:fontRef>
+          </p:style>
+          <p:txBody>
+            <a:bodyPr rtlCol="0" anchor="ctr"/>
+            <a:lstStyle/>
+            <a:p>
+              <a:pPr algn="ctr"/>
+              <a:endParaRPr kumimoji="1" lang="zh-CN" altLang="en-US"/>
+            </a:p>
+          </p:txBody>
+        </p:sp>
+        <p:sp>
+          <p:nvSpPr>
+            <p:cNvPr id="10" name="Rectangle 9">
+              <a:extLst>
+                <a:ext uri="{FF2B5EF4-FFF2-40B4-BE49-F238E27FC236}">
+                  <a16:creationId xmlns:a16="http://schemas.microsoft.com/office/drawing/2014/main" id="{894783BF-8A1B-7B6B-283F-7AD9613551CD}"/>
+                </a:ext>
+              </a:extLst>
+            </p:cNvPr>
+            <p:cNvSpPr/>
+            <p:nvPr/>
+          </p:nvSpPr>
+          <p:spPr>
+            <a:xfrm>
+              <a:off x="868100" y="2280213"/>
+              <a:ext cx="1443218" cy="312516"/>
+            </a:xfrm>
+            <a:prstGeom prst="rect">
+              <a:avLst/>
+            </a:prstGeom>
+          </p:spPr>
+          <p:style>
+            <a:lnRef idx="2">
+              <a:schemeClr val="accent1">
+                <a:shade val="50000"/>
+              </a:schemeClr>
+            </a:lnRef>
+            <a:fillRef idx="1">
+              <a:schemeClr val="accent1"/>
+            </a:fillRef>
+            <a:effectRef idx="0">
+              <a:schemeClr val="accent1"/>
+            </a:effectRef>
+            <a:fontRef idx="minor">
+              <a:schemeClr val="lt1"/>
+            </a:fontRef>
+          </p:style>
+          <p:txBody>
+            <a:bodyPr rtlCol="0" anchor="ctr"/>
+            <a:lstStyle/>
+            <a:p>
+              <a:pPr algn="ctr"/>
+              <a:r>
+                <a:rPr kumimoji="1" lang="zh-CN" altLang="en-US" dirty="0"/>
+                <a:t>语录</a:t>
+              </a:r>
+            </a:p>
+          </p:txBody>
+        </p:sp>
+        <p:sp>
+          <p:nvSpPr>
+            <p:cNvPr id="12" name="TextBox 11">
+              <a:extLst>
+                <a:ext uri="{FF2B5EF4-FFF2-40B4-BE49-F238E27FC236}">
+                  <a16:creationId xmlns:a16="http://schemas.microsoft.com/office/drawing/2014/main" id="{4B96C6AD-BB4F-54D9-9A9E-2303560F8525}"/>
+                </a:ext>
+              </a:extLst>
+            </p:cNvPr>
+            <p:cNvSpPr txBox="1"/>
+            <p:nvPr/>
+          </p:nvSpPr>
+          <p:spPr>
+            <a:xfrm>
+              <a:off x="844952" y="2761005"/>
+              <a:ext cx="4066884" cy="923330"/>
+            </a:xfrm>
+            <a:prstGeom prst="rect">
+              <a:avLst/>
+            </a:prstGeom>
+            <a:noFill/>
+          </p:spPr>
+          <p:txBody>
+            <a:bodyPr wrap="square">
+              <a:spAutoFit/>
+            </a:bodyPr>
+            <a:lstStyle/>
+            <a:p>
+              <a:r>
+                <a:rPr kumimoji="1" lang="zh-CN" altLang="en-CN" dirty="0"/>
+                <a:t>我们</a:t>
+              </a:r>
+              <a:r>
+                <a:rPr kumimoji="1" lang="zh-CN" altLang="en-US" dirty="0"/>
+                <a:t>教育的目标不是你会做多少题</a:t>
+              </a:r>
+              <a:r>
+                <a:rPr kumimoji="1" lang="en-US" altLang="zh-CN" dirty="0"/>
+                <a:t>,</a:t>
+              </a:r>
+              <a:r>
+                <a:rPr kumimoji="1" lang="zh-CN" altLang="en-US" dirty="0"/>
+                <a:t> 不是说记住了多少东西</a:t>
+              </a:r>
+              <a:r>
+                <a:rPr kumimoji="1" lang="en-US" altLang="zh-CN" dirty="0"/>
+                <a:t>,</a:t>
+              </a:r>
+              <a:r>
+                <a:rPr kumimoji="1" lang="zh-CN" altLang="en-US" dirty="0"/>
+                <a:t> 而是对你产生了什么样的改变</a:t>
+              </a:r>
+              <a:r>
+                <a:rPr kumimoji="1" lang="en-US" altLang="zh-CN" dirty="0"/>
+                <a:t>.</a:t>
+              </a:r>
+              <a:r>
+                <a:rPr kumimoji="1" lang="zh-CN" altLang="en-US" dirty="0"/>
+                <a:t> </a:t>
+              </a:r>
+              <a:r>
+                <a:rPr kumimoji="1" lang="zh-CN" altLang="en-US" b="1" dirty="0">
+                  <a:solidFill>
+                    <a:srgbClr val="FF0000"/>
+                  </a:solidFill>
+                </a:rPr>
+                <a:t>我们教育的目标是你</a:t>
+              </a:r>
+              <a:r>
+                <a:rPr kumimoji="1" lang="en-US" altLang="zh-CN" b="1" dirty="0">
+                  <a:solidFill>
+                    <a:srgbClr val="FF0000"/>
+                  </a:solidFill>
+                </a:rPr>
+                <a:t>.</a:t>
+              </a:r>
+              <a:r>
+                <a:rPr kumimoji="1" lang="zh-CN" altLang="en-US" b="1" dirty="0">
+                  <a:solidFill>
+                    <a:srgbClr val="FF0000"/>
+                  </a:solidFill>
+                </a:rPr>
+                <a:t> </a:t>
+              </a:r>
+            </a:p>
+          </p:txBody>
+        </p:sp>
+      </p:grpSp>
+      <p:sp>
+        <p:nvSpPr>
+          <p:cNvPr id="14" name="TextBox 13">
+            <a:extLst>
+              <a:ext uri="{FF2B5EF4-FFF2-40B4-BE49-F238E27FC236}">
+                <a16:creationId xmlns:a16="http://schemas.microsoft.com/office/drawing/2014/main" id="{F735BDE6-6E3A-E229-4A9E-18048CAFED43}"/>
+              </a:ext>
+            </a:extLst>
+          </p:cNvPr>
+          <p:cNvSpPr txBox="1"/>
+          <p:nvPr/>
+        </p:nvSpPr>
+        <p:spPr>
+          <a:xfrm>
+            <a:off x="5042263" y="3975451"/>
+            <a:ext cx="4063933" cy="1477328"/>
+          </a:xfrm>
+          <a:prstGeom prst="rect">
+            <a:avLst/>
+          </a:prstGeom>
+          <a:noFill/>
+        </p:spPr>
+        <p:txBody>
+          <a:bodyPr wrap="none" rtlCol="0">
+            <a:spAutoFit/>
+          </a:bodyPr>
+          <a:lstStyle/>
+          <a:p>
+            <a:pPr marL="285750" indent="-285750">
+              <a:buFontTx/>
+              <a:buChar char="-"/>
+            </a:pPr>
+            <a:r>
+              <a:rPr kumimoji="1" lang="zh-CN" altLang="en-CN" dirty="0"/>
+              <a:t>类似</a:t>
+            </a:r>
+            <a:r>
+              <a:rPr kumimoji="1" lang="zh-CN" altLang="en-US" dirty="0"/>
+              <a:t>的富有哲理的话语还有很多</a:t>
+            </a:r>
+            <a:endParaRPr kumimoji="1" lang="en-US" altLang="zh-CN" dirty="0"/>
+          </a:p>
+          <a:p>
+            <a:pPr marL="285750" indent="-285750">
+              <a:buFontTx/>
+              <a:buChar char="-"/>
+            </a:pPr>
+            <a:r>
+              <a:rPr kumimoji="1" lang="zh-CN" altLang="en-US" dirty="0"/>
+              <a:t>很像大学教授</a:t>
+            </a:r>
+            <a:endParaRPr kumimoji="1" lang="en-US" altLang="zh-CN" dirty="0"/>
+          </a:p>
+          <a:p>
+            <a:pPr marL="285750" indent="-285750">
+              <a:buFontTx/>
+              <a:buChar char="-"/>
+            </a:pPr>
+            <a:r>
+              <a:rPr kumimoji="1" lang="zh-CN" altLang="en-US" dirty="0"/>
+              <a:t>但是周边同学</a:t>
+            </a:r>
+            <a:r>
+              <a:rPr kumimoji="1" lang="en-US" altLang="zh-CN" dirty="0"/>
+              <a:t>:</a:t>
+            </a:r>
+          </a:p>
+          <a:p>
+            <a:pPr marL="742950" lvl="1" indent="-285750">
+              <a:buFontTx/>
+              <a:buChar char="-"/>
+            </a:pPr>
+            <a:r>
+              <a:rPr kumimoji="1" lang="zh-CN" altLang="en-US" dirty="0"/>
+              <a:t>不适应</a:t>
+            </a:r>
+            <a:r>
+              <a:rPr kumimoji="1" lang="en-US" altLang="zh-CN" dirty="0"/>
+              <a:t>:</a:t>
+            </a:r>
+            <a:r>
+              <a:rPr kumimoji="1" lang="zh-CN" altLang="en-US" dirty="0"/>
+              <a:t> 因为没有条目化的笔记</a:t>
+            </a:r>
+            <a:endParaRPr kumimoji="1" lang="en-US" altLang="zh-CN" dirty="0"/>
+          </a:p>
+          <a:p>
+            <a:pPr marL="742950" lvl="1" indent="-285750">
+              <a:buFontTx/>
+              <a:buChar char="-"/>
+            </a:pPr>
+            <a:r>
+              <a:rPr kumimoji="1" lang="zh-CN" altLang="en-US" dirty="0"/>
+              <a:t>适应</a:t>
+            </a:r>
+            <a:r>
+              <a:rPr kumimoji="1" lang="en-US" altLang="zh-CN" dirty="0"/>
+              <a:t>:</a:t>
+            </a:r>
+            <a:r>
+              <a:rPr kumimoji="1" lang="zh-CN" altLang="en-US" dirty="0"/>
+              <a:t> 像</a:t>
+            </a:r>
+            <a:r>
+              <a:rPr kumimoji="1" lang="en-US" altLang="zh-CN" dirty="0"/>
+              <a:t>3Blue1Brown</a:t>
+            </a:r>
+            <a:r>
+              <a:rPr kumimoji="1" lang="zh-CN" altLang="en-US" dirty="0"/>
+              <a:t>一样</a:t>
+            </a:r>
+          </a:p>
+        </p:txBody>
+      </p:sp>
+    </p:spTree>
+    <p:extLst>
+      <p:ext uri="{BB962C8B-B14F-4D97-AF65-F5344CB8AC3E}">
+        <p14:creationId xmlns:p14="http://schemas.microsoft.com/office/powerpoint/2010/main" val="3146011284"/>
+      </p:ext>
+    </p:extLst>
+  </p:cSld>
+  <p:clrMapOvr>
+    <a:masterClrMapping/>
+  </p:clrMapOvr>
+</p:sld>
+</file>
+
+<file path=ppt/slides/slide13.xml><?xml version="1.0" encoding="utf-8"?>
+<p:sld xmlns:a="http://schemas.openxmlformats.org/drawingml/2006/main" xmlns:r="http://schemas.openxmlformats.org/officeDocument/2006/relationships" xmlns:p="http://schemas.openxmlformats.org/presentationml/2006/main">
+  <p:cSld>
+    <p:spTree>
+      <p:nvGrpSpPr>
+        <p:cNvPr id="1" name=""/>
+        <p:cNvGrpSpPr/>
+        <p:nvPr/>
+      </p:nvGrpSpPr>
+      <p:grpSpPr>
+        <a:xfrm>
+          <a:off x="0" y="0"/>
+          <a:ext cx="0" cy="0"/>
+          <a:chOff x="0" y="0"/>
+          <a:chExt cx="0" cy="0"/>
+        </a:xfrm>
+      </p:grpSpPr>
+      <p:sp>
+        <p:nvSpPr>
+          <p:cNvPr id="2" name="Slide Number Placeholder 1">
+            <a:extLst>
+              <a:ext uri="{FF2B5EF4-FFF2-40B4-BE49-F238E27FC236}">
+                <a16:creationId xmlns:a16="http://schemas.microsoft.com/office/drawing/2014/main" id="{FFF0F4F4-5874-CC7E-D4C3-5D311621CEC7}"/>
+              </a:ext>
+            </a:extLst>
+          </p:cNvPr>
+          <p:cNvSpPr>
+            <a:spLocks noGrp="1"/>
+          </p:cNvSpPr>
+          <p:nvPr>
+            <p:ph type="sldNum" sz="quarter" idx="12"/>
+          </p:nvPr>
+        </p:nvSpPr>
+        <p:spPr/>
+        <p:txBody>
+          <a:bodyPr/>
+          <a:lstStyle/>
+          <a:p>
+            <a:fld id="{7A304655-5D53-B746-8252-3F5A598C52D3}" type="slidenum">
+              <a:rPr lang="en-CN" smtClean="0"/>
+              <a:pPr/>
+              <a:t>13</a:t>
+            </a:fld>
+            <a:endParaRPr lang="en-CN"/>
+          </a:p>
+        </p:txBody>
+      </p:sp>
+      <p:sp>
+        <p:nvSpPr>
+          <p:cNvPr id="3" name="Title 2">
+            <a:extLst>
+              <a:ext uri="{FF2B5EF4-FFF2-40B4-BE49-F238E27FC236}">
+                <a16:creationId xmlns:a16="http://schemas.microsoft.com/office/drawing/2014/main" id="{82015B4C-25DD-A46F-19E2-814D60FBAAA2}"/>
+              </a:ext>
+            </a:extLst>
+          </p:cNvPr>
+          <p:cNvSpPr>
+            <a:spLocks noGrp="1"/>
+          </p:cNvSpPr>
+          <p:nvPr>
+            <p:ph type="title"/>
+          </p:nvPr>
+        </p:nvSpPr>
+        <p:spPr/>
+        <p:txBody>
+          <a:bodyPr/>
+          <a:lstStyle/>
+          <a:p>
+            <a:r>
+              <a:rPr kumimoji="1" lang="zh-CN" altLang="en-US" dirty="0"/>
+              <a:t>受教育是为了什么</a:t>
+            </a:r>
+            <a:r>
+              <a:rPr kumimoji="1" lang="en-US" altLang="zh-CN" dirty="0"/>
+              <a:t>?</a:t>
+            </a:r>
+            <a:r>
+              <a:rPr kumimoji="1" lang="zh-CN" altLang="en-US" dirty="0"/>
+              <a:t> </a:t>
+            </a:r>
+          </a:p>
+        </p:txBody>
+      </p:sp>
+      <p:sp>
+        <p:nvSpPr>
+          <p:cNvPr id="6" name="TextBox 5">
+            <a:extLst>
+              <a:ext uri="{FF2B5EF4-FFF2-40B4-BE49-F238E27FC236}">
+                <a16:creationId xmlns:a16="http://schemas.microsoft.com/office/drawing/2014/main" id="{2318FAC0-D6DF-9345-24D5-AB125B1AB383}"/>
+              </a:ext>
+            </a:extLst>
+          </p:cNvPr>
+          <p:cNvSpPr txBox="1"/>
+          <p:nvPr/>
+        </p:nvSpPr>
+        <p:spPr>
+          <a:xfrm>
+            <a:off x="2231182" y="2322881"/>
+            <a:ext cx="4774475" cy="369332"/>
+          </a:xfrm>
+          <a:prstGeom prst="rect">
+            <a:avLst/>
+          </a:prstGeom>
+          <a:noFill/>
+        </p:spPr>
+        <p:txBody>
+          <a:bodyPr wrap="square">
+            <a:spAutoFit/>
+          </a:bodyPr>
+          <a:lstStyle/>
+          <a:p>
+            <a:r>
+              <a:rPr lang="zh-CN" altLang="en-US" dirty="0">
+                <a:hlinkClick r:id="rId2"/>
+              </a:rPr>
+              <a:t>https://www.bilibili.com/video/BV1uR4y167pA</a:t>
+            </a:r>
+            <a:endParaRPr lang="zh-CN" altLang="en-US" dirty="0"/>
+          </a:p>
+        </p:txBody>
+      </p:sp>
+      <p:sp>
+        <p:nvSpPr>
+          <p:cNvPr id="8" name="TextBox 7">
+            <a:extLst>
+              <a:ext uri="{FF2B5EF4-FFF2-40B4-BE49-F238E27FC236}">
+                <a16:creationId xmlns:a16="http://schemas.microsoft.com/office/drawing/2014/main" id="{CE4CD878-B7FE-04AB-5775-9841E4098A6C}"/>
+              </a:ext>
+            </a:extLst>
+          </p:cNvPr>
+          <p:cNvSpPr txBox="1"/>
+          <p:nvPr/>
+        </p:nvSpPr>
+        <p:spPr>
+          <a:xfrm>
+            <a:off x="2671354" y="2778659"/>
+            <a:ext cx="4585062" cy="369332"/>
+          </a:xfrm>
+          <a:prstGeom prst="rect">
+            <a:avLst/>
+          </a:prstGeom>
+          <a:noFill/>
+        </p:spPr>
+        <p:txBody>
+          <a:bodyPr wrap="square">
+            <a:spAutoFit/>
+          </a:bodyPr>
+          <a:lstStyle/>
+          <a:p>
+            <a:pPr algn="l"/>
+            <a:r>
+              <a:rPr lang="zh-CN" altLang="en-US" b="0" i="0" dirty="0">
+                <a:effectLst/>
+                <a:latin typeface="PingFang SC" panose="020B0400000000000000" pitchFamily="34" charset="-122"/>
+                <a:ea typeface="PingFang SC" panose="020B0400000000000000" pitchFamily="34" charset="-122"/>
+              </a:rPr>
+              <a:t>大学除了专业知识，还应该学些什么</a:t>
+            </a:r>
+          </a:p>
+        </p:txBody>
+      </p:sp>
+      <p:sp>
+        <p:nvSpPr>
+          <p:cNvPr id="9" name="TextBox 8">
+            <a:extLst>
+              <a:ext uri="{FF2B5EF4-FFF2-40B4-BE49-F238E27FC236}">
+                <a16:creationId xmlns:a16="http://schemas.microsoft.com/office/drawing/2014/main" id="{F7C6CEBD-458A-B2EB-EFA9-132D6DEA8179}"/>
+              </a:ext>
+            </a:extLst>
+          </p:cNvPr>
+          <p:cNvSpPr txBox="1"/>
+          <p:nvPr/>
+        </p:nvSpPr>
+        <p:spPr>
+          <a:xfrm>
+            <a:off x="875211" y="1358537"/>
+            <a:ext cx="3538148" cy="923330"/>
+          </a:xfrm>
+          <a:prstGeom prst="rect">
+            <a:avLst/>
+          </a:prstGeom>
+          <a:noFill/>
+        </p:spPr>
+        <p:txBody>
+          <a:bodyPr wrap="none" rtlCol="0">
+            <a:spAutoFit/>
+          </a:bodyPr>
+          <a:lstStyle/>
+          <a:p>
+            <a:pPr marL="285750" indent="-285750">
+              <a:buFontTx/>
+              <a:buChar char="-"/>
+            </a:pPr>
+            <a:r>
+              <a:rPr kumimoji="1" lang="zh-CN" altLang="en-US" dirty="0"/>
+              <a:t>卷过别人可能不是好的答案</a:t>
+            </a:r>
+            <a:r>
+              <a:rPr kumimoji="1" lang="en-US" altLang="zh-CN" dirty="0"/>
+              <a:t>!</a:t>
+            </a:r>
+          </a:p>
+          <a:p>
+            <a:pPr marL="285750" indent="-285750">
+              <a:buFontTx/>
+              <a:buChar char="-"/>
+            </a:pPr>
+            <a:r>
+              <a:rPr kumimoji="1" lang="zh-CN" altLang="en-US" dirty="0"/>
+              <a:t>当今的内卷的状态如何看待</a:t>
+            </a:r>
+            <a:r>
+              <a:rPr kumimoji="1" lang="en-US" altLang="zh-CN" dirty="0"/>
+              <a:t>?</a:t>
+            </a:r>
+            <a:r>
+              <a:rPr kumimoji="1" lang="zh-CN" altLang="en-US" dirty="0"/>
+              <a:t> </a:t>
+            </a:r>
+            <a:endParaRPr kumimoji="1" lang="en-US" altLang="zh-CN" dirty="0"/>
+          </a:p>
+          <a:p>
+            <a:pPr marL="285750" indent="-285750">
+              <a:buFontTx/>
+              <a:buChar char="-"/>
+            </a:pPr>
+            <a:endParaRPr kumimoji="1" lang="zh-CN" altLang="en-US" dirty="0"/>
+          </a:p>
+        </p:txBody>
+      </p:sp>
+      <p:sp>
+        <p:nvSpPr>
+          <p:cNvPr id="11" name="TextBox 10">
+            <a:extLst>
+              <a:ext uri="{FF2B5EF4-FFF2-40B4-BE49-F238E27FC236}">
+                <a16:creationId xmlns:a16="http://schemas.microsoft.com/office/drawing/2014/main" id="{2EFBEAAF-7FF4-31E0-FFBE-278BE76CA408}"/>
+              </a:ext>
+            </a:extLst>
+          </p:cNvPr>
+          <p:cNvSpPr txBox="1"/>
+          <p:nvPr/>
+        </p:nvSpPr>
+        <p:spPr>
+          <a:xfrm>
+            <a:off x="2408915" y="3147991"/>
+            <a:ext cx="4585062" cy="2585323"/>
+          </a:xfrm>
+          <a:prstGeom prst="rect">
+            <a:avLst/>
+          </a:prstGeom>
+          <a:noFill/>
+        </p:spPr>
+        <p:txBody>
+          <a:bodyPr wrap="square">
+            <a:spAutoFit/>
+          </a:bodyPr>
+          <a:lstStyle/>
+          <a:p>
+            <a:r>
+              <a:rPr lang="zh-CN" altLang="en-US" b="0" i="0" dirty="0">
+                <a:solidFill>
+                  <a:srgbClr val="18191C"/>
+                </a:solidFill>
+                <a:effectLst/>
+                <a:latin typeface="PingFang SC" panose="020B0400000000000000" pitchFamily="34" charset="-122"/>
+                <a:ea typeface="PingFang SC" panose="020B0400000000000000" pitchFamily="34" charset="-122"/>
+              </a:rPr>
+              <a:t>本视频是</a:t>
+            </a:r>
+            <a:r>
+              <a:rPr lang="en-US" altLang="zh-CN" b="0" i="0" dirty="0">
+                <a:solidFill>
+                  <a:srgbClr val="18191C"/>
+                </a:solidFill>
+                <a:effectLst/>
+                <a:latin typeface="PingFang SC" panose="020B0400000000000000" pitchFamily="34" charset="-122"/>
+                <a:ea typeface="PingFang SC" panose="020B0400000000000000" pitchFamily="34" charset="-122"/>
+              </a:rPr>
+              <a:t>2021</a:t>
+            </a:r>
+            <a:r>
+              <a:rPr lang="zh-CN" altLang="en-US" b="0" i="0" dirty="0">
+                <a:solidFill>
+                  <a:srgbClr val="18191C"/>
+                </a:solidFill>
+                <a:effectLst/>
+                <a:latin typeface="PingFang SC" panose="020B0400000000000000" pitchFamily="34" charset="-122"/>
+                <a:ea typeface="PingFang SC" panose="020B0400000000000000" pitchFamily="34" charset="-122"/>
+              </a:rPr>
+              <a:t>年</a:t>
+            </a:r>
+            <a:r>
+              <a:rPr lang="en-US" altLang="zh-CN" b="0" i="0" dirty="0">
+                <a:solidFill>
+                  <a:srgbClr val="18191C"/>
+                </a:solidFill>
+                <a:effectLst/>
+                <a:latin typeface="PingFang SC" panose="020B0400000000000000" pitchFamily="34" charset="-122"/>
+                <a:ea typeface="PingFang SC" panose="020B0400000000000000" pitchFamily="34" charset="-122"/>
+              </a:rPr>
+              <a:t>12</a:t>
+            </a:r>
+            <a:r>
+              <a:rPr lang="zh-CN" altLang="en-US" b="0" i="0" dirty="0">
+                <a:solidFill>
+                  <a:srgbClr val="18191C"/>
+                </a:solidFill>
+                <a:effectLst/>
+                <a:latin typeface="PingFang SC" panose="020B0400000000000000" pitchFamily="34" charset="-122"/>
+                <a:ea typeface="PingFang SC" panose="020B0400000000000000" pitchFamily="34" charset="-122"/>
+              </a:rPr>
+              <a:t>月学期末，南京大学</a:t>
+            </a:r>
+            <a:r>
+              <a:rPr lang="en-US" altLang="zh-CN" b="0" i="0" dirty="0">
+                <a:solidFill>
+                  <a:srgbClr val="18191C"/>
+                </a:solidFill>
+                <a:effectLst/>
+                <a:latin typeface="PingFang SC" panose="020B0400000000000000" pitchFamily="34" charset="-122"/>
+                <a:ea typeface="PingFang SC" panose="020B0400000000000000" pitchFamily="34" charset="-122"/>
+              </a:rPr>
+              <a:t>《</a:t>
+            </a:r>
+            <a:r>
+              <a:rPr lang="zh-CN" altLang="en-US" b="0" i="0" dirty="0">
+                <a:solidFill>
+                  <a:srgbClr val="18191C"/>
+                </a:solidFill>
+                <a:effectLst/>
+                <a:latin typeface="PingFang SC" panose="020B0400000000000000" pitchFamily="34" charset="-122"/>
+                <a:ea typeface="PingFang SC" panose="020B0400000000000000" pitchFamily="34" charset="-122"/>
+              </a:rPr>
+              <a:t>计算机程序的构造和解释</a:t>
+            </a:r>
+            <a:r>
+              <a:rPr lang="en-US" altLang="zh-CN" b="0" i="0" dirty="0">
+                <a:solidFill>
+                  <a:srgbClr val="18191C"/>
+                </a:solidFill>
+                <a:effectLst/>
+                <a:latin typeface="PingFang SC" panose="020B0400000000000000" pitchFamily="34" charset="-122"/>
+                <a:ea typeface="PingFang SC" panose="020B0400000000000000" pitchFamily="34" charset="-122"/>
+              </a:rPr>
+              <a:t>》</a:t>
+            </a:r>
+            <a:r>
+              <a:rPr lang="zh-CN" altLang="en-US" b="0" i="0" dirty="0">
+                <a:solidFill>
+                  <a:srgbClr val="18191C"/>
+                </a:solidFill>
+                <a:effectLst/>
+                <a:latin typeface="PingFang SC" panose="020B0400000000000000" pitchFamily="34" charset="-122"/>
+                <a:ea typeface="PingFang SC" panose="020B0400000000000000" pitchFamily="34" charset="-122"/>
+              </a:rPr>
+              <a:t>（简称</a:t>
+            </a:r>
+            <a:r>
+              <a:rPr lang="en-US" b="0" i="0" dirty="0">
+                <a:solidFill>
+                  <a:srgbClr val="18191C"/>
+                </a:solidFill>
+                <a:effectLst/>
+                <a:latin typeface="PingFang SC" panose="020B0400000000000000" pitchFamily="34" charset="-122"/>
+                <a:ea typeface="PingFang SC" panose="020B0400000000000000" pitchFamily="34" charset="-122"/>
+              </a:rPr>
+              <a:t>SICP）</a:t>
+            </a:r>
+            <a:r>
+              <a:rPr lang="zh-CN" altLang="en-US" b="0" i="0" dirty="0">
+                <a:solidFill>
+                  <a:srgbClr val="18191C"/>
+                </a:solidFill>
+                <a:effectLst/>
+                <a:latin typeface="PingFang SC" panose="020B0400000000000000" pitchFamily="34" charset="-122"/>
+                <a:ea typeface="PingFang SC" panose="020B0400000000000000" pitchFamily="34" charset="-122"/>
+              </a:rPr>
+              <a:t>的最后半节课，主讲教师之一李樾给选修课程的学生多嘱咐的一些话，虽然只是一家之谈且并不专业，但还是希望学生们能够在如今内卷的时代，多一份自信与洒脱。感谢当时学生偷偷的录制才有这段视频，在此抗疫艰难时期放出，希望大家压力少一点，病好的快一点，终将都会好起来的，一起加油。</a:t>
+            </a:r>
+            <a:endParaRPr lang="zh-CN" altLang="en-US" dirty="0"/>
+          </a:p>
+        </p:txBody>
+      </p:sp>
+    </p:spTree>
+    <p:extLst>
+      <p:ext uri="{BB962C8B-B14F-4D97-AF65-F5344CB8AC3E}">
+        <p14:creationId xmlns:p14="http://schemas.microsoft.com/office/powerpoint/2010/main" val="930508630"/>
+      </p:ext>
+    </p:extLst>
+  </p:cSld>
+  <p:clrMapOvr>
+    <a:masterClrMapping/>
+  </p:clrMapOvr>
+</p:sld>
+</file>
+
+<file path=ppt/slides/slide14.xml><?xml version="1.0" encoding="utf-8"?>
+<p:sld xmlns:a="http://schemas.openxmlformats.org/drawingml/2006/main" xmlns:r="http://schemas.openxmlformats.org/officeDocument/2006/relationships" xmlns:p="http://schemas.openxmlformats.org/presentationml/2006/main">
+  <p:cSld>
+    <p:spTree>
+      <p:nvGrpSpPr>
+        <p:cNvPr id="1" name=""/>
+        <p:cNvGrpSpPr/>
+        <p:nvPr/>
+      </p:nvGrpSpPr>
+      <p:grpSpPr>
+        <a:xfrm>
+          <a:off x="0" y="0"/>
+          <a:ext cx="0" cy="0"/>
+          <a:chOff x="0" y="0"/>
+          <a:chExt cx="0" cy="0"/>
+        </a:xfrm>
+      </p:grpSpPr>
+      <p:sp>
+        <p:nvSpPr>
+          <p:cNvPr id="2" name="Slide Number Placeholder 1">
+            <a:extLst>
+              <a:ext uri="{FF2B5EF4-FFF2-40B4-BE49-F238E27FC236}">
+                <a16:creationId xmlns:a16="http://schemas.microsoft.com/office/drawing/2014/main" id="{FFF0F4F4-5874-CC7E-D4C3-5D311621CEC7}"/>
+              </a:ext>
+            </a:extLst>
+          </p:cNvPr>
+          <p:cNvSpPr>
+            <a:spLocks noGrp="1"/>
+          </p:cNvSpPr>
+          <p:nvPr>
+            <p:ph type="sldNum" sz="quarter" idx="12"/>
+          </p:nvPr>
+        </p:nvSpPr>
+        <p:spPr/>
+        <p:txBody>
+          <a:bodyPr/>
+          <a:lstStyle/>
+          <a:p>
+            <a:fld id="{7A304655-5D53-B746-8252-3F5A598C52D3}" type="slidenum">
+              <a:rPr lang="en-CN" smtClean="0"/>
+              <a:pPr/>
+              <a:t>14</a:t>
+            </a:fld>
+            <a:endParaRPr lang="en-CN"/>
+          </a:p>
+        </p:txBody>
+      </p:sp>
+      <p:sp>
+        <p:nvSpPr>
+          <p:cNvPr id="3" name="Title 2">
+            <a:extLst>
+              <a:ext uri="{FF2B5EF4-FFF2-40B4-BE49-F238E27FC236}">
+                <a16:creationId xmlns:a16="http://schemas.microsoft.com/office/drawing/2014/main" id="{82015B4C-25DD-A46F-19E2-814D60FBAAA2}"/>
+              </a:ext>
+            </a:extLst>
+          </p:cNvPr>
+          <p:cNvSpPr>
+            <a:spLocks noGrp="1"/>
+          </p:cNvSpPr>
+          <p:nvPr>
+            <p:ph type="title"/>
+          </p:nvPr>
+        </p:nvSpPr>
+        <p:spPr/>
+        <p:txBody>
+          <a:bodyPr/>
+          <a:lstStyle/>
+          <a:p>
+            <a:r>
+              <a:rPr kumimoji="1" lang="zh-CN" altLang="en-US" dirty="0"/>
+              <a:t>受教育是为了什么</a:t>
+            </a:r>
+            <a:r>
+              <a:rPr kumimoji="1" lang="en-US" altLang="zh-CN" dirty="0"/>
+              <a:t>?</a:t>
+            </a:r>
+            <a:r>
+              <a:rPr kumimoji="1" lang="zh-CN" altLang="en-US" dirty="0"/>
+              <a:t> </a:t>
+            </a:r>
+          </a:p>
+        </p:txBody>
+      </p:sp>
+      <p:sp>
+        <p:nvSpPr>
+          <p:cNvPr id="5" name="TextBox 4">
+            <a:extLst>
+              <a:ext uri="{FF2B5EF4-FFF2-40B4-BE49-F238E27FC236}">
+                <a16:creationId xmlns:a16="http://schemas.microsoft.com/office/drawing/2014/main" id="{D59CAB32-7902-4FF4-88B4-5A0B02830C36}"/>
+              </a:ext>
+            </a:extLst>
+          </p:cNvPr>
+          <p:cNvSpPr txBox="1"/>
+          <p:nvPr/>
+        </p:nvSpPr>
+        <p:spPr>
+          <a:xfrm>
+            <a:off x="628650" y="1188719"/>
+            <a:ext cx="4495783" cy="646331"/>
+          </a:xfrm>
+          <a:prstGeom prst="rect">
+            <a:avLst/>
+          </a:prstGeom>
+          <a:noFill/>
+        </p:spPr>
+        <p:txBody>
+          <a:bodyPr wrap="none" rtlCol="0">
+            <a:spAutoFit/>
+          </a:bodyPr>
+          <a:lstStyle/>
+          <a:p>
+            <a:pPr marL="285750" indent="-285750">
+              <a:buFontTx/>
+              <a:buChar char="-"/>
+            </a:pPr>
+            <a:r>
+              <a:rPr kumimoji="1" lang="zh-CN" altLang="en-US" dirty="0"/>
+              <a:t>我读到的一本书</a:t>
+            </a:r>
+            <a:endParaRPr kumimoji="1" lang="en-US" altLang="zh-CN" dirty="0"/>
+          </a:p>
+          <a:p>
+            <a:pPr marL="285750" indent="-285750">
+              <a:buFontTx/>
+              <a:buChar char="-"/>
+            </a:pPr>
+            <a:r>
+              <a:rPr kumimoji="1" lang="en-US" altLang="zh-CN" dirty="0"/>
+              <a:t>Operating</a:t>
+            </a:r>
+            <a:r>
+              <a:rPr kumimoji="1" lang="zh-CN" altLang="en-US" dirty="0"/>
+              <a:t> </a:t>
+            </a:r>
+            <a:r>
+              <a:rPr kumimoji="1" lang="en-US" altLang="zh-CN" dirty="0"/>
+              <a:t>Systems:</a:t>
+            </a:r>
+            <a:r>
+              <a:rPr kumimoji="1" lang="zh-CN" altLang="en-US" dirty="0"/>
+              <a:t> </a:t>
+            </a:r>
+            <a:r>
+              <a:rPr kumimoji="1" lang="en-US" altLang="zh-CN" dirty="0"/>
+              <a:t>Three</a:t>
+            </a:r>
+            <a:r>
+              <a:rPr kumimoji="1" lang="zh-CN" altLang="en-US" dirty="0"/>
+              <a:t> </a:t>
+            </a:r>
+            <a:r>
+              <a:rPr kumimoji="1" lang="en-US" altLang="zh-CN" dirty="0"/>
+              <a:t>Easy</a:t>
+            </a:r>
+            <a:r>
+              <a:rPr kumimoji="1" lang="zh-CN" altLang="en-US" dirty="0"/>
+              <a:t> </a:t>
+            </a:r>
+            <a:r>
+              <a:rPr kumimoji="1" lang="en-US" altLang="zh-CN" dirty="0"/>
+              <a:t>Pieces</a:t>
+            </a:r>
+            <a:endParaRPr kumimoji="1" lang="zh-CN" altLang="en-US" dirty="0"/>
+          </a:p>
+        </p:txBody>
+      </p:sp>
+    </p:spTree>
+    <p:extLst>
+      <p:ext uri="{BB962C8B-B14F-4D97-AF65-F5344CB8AC3E}">
+        <p14:creationId xmlns:p14="http://schemas.microsoft.com/office/powerpoint/2010/main" val="3545835058"/>
+      </p:ext>
+    </p:extLst>
+  </p:cSld>
+  <p:clrMapOvr>
+    <a:masterClrMapping/>
+  </p:clrMapOvr>
+</p:sld>
+</file>
+
+<file path=ppt/slides/slide15.xml><?xml version="1.0" encoding="utf-8"?>
+<p:sld xmlns:a="http://schemas.openxmlformats.org/drawingml/2006/main" xmlns:r="http://schemas.openxmlformats.org/officeDocument/2006/relationships" xmlns:p="http://schemas.openxmlformats.org/presentationml/2006/main">
+  <p:cSld>
+    <p:spTree>
+      <p:nvGrpSpPr>
+        <p:cNvPr id="1" name=""/>
+        <p:cNvGrpSpPr/>
+        <p:nvPr/>
+      </p:nvGrpSpPr>
+      <p:grpSpPr>
+        <a:xfrm>
+          <a:off x="0" y="0"/>
+          <a:ext cx="0" cy="0"/>
+          <a:chOff x="0" y="0"/>
+          <a:chExt cx="0" cy="0"/>
+        </a:xfrm>
+      </p:grpSpPr>
+      <p:sp>
+        <p:nvSpPr>
+          <p:cNvPr id="2" name="Slide Number Placeholder 1">
+            <a:extLst>
+              <a:ext uri="{FF2B5EF4-FFF2-40B4-BE49-F238E27FC236}">
+                <a16:creationId xmlns:a16="http://schemas.microsoft.com/office/drawing/2014/main" id="{FFF0F4F4-5874-CC7E-D4C3-5D311621CEC7}"/>
+              </a:ext>
+            </a:extLst>
+          </p:cNvPr>
+          <p:cNvSpPr>
+            <a:spLocks noGrp="1"/>
+          </p:cNvSpPr>
+          <p:nvPr>
+            <p:ph type="sldNum" sz="quarter" idx="12"/>
+          </p:nvPr>
+        </p:nvSpPr>
+        <p:spPr/>
+        <p:txBody>
+          <a:bodyPr/>
+          <a:lstStyle/>
+          <a:p>
+            <a:fld id="{7A304655-5D53-B746-8252-3F5A598C52D3}" type="slidenum">
+              <a:rPr lang="en-CN" smtClean="0"/>
+              <a:pPr/>
+              <a:t>15</a:t>
+            </a:fld>
+            <a:endParaRPr lang="en-CN"/>
+          </a:p>
+        </p:txBody>
+      </p:sp>
+      <p:sp>
+        <p:nvSpPr>
+          <p:cNvPr id="3" name="Title 2">
+            <a:extLst>
+              <a:ext uri="{FF2B5EF4-FFF2-40B4-BE49-F238E27FC236}">
+                <a16:creationId xmlns:a16="http://schemas.microsoft.com/office/drawing/2014/main" id="{82015B4C-25DD-A46F-19E2-814D60FBAAA2}"/>
+              </a:ext>
+            </a:extLst>
+          </p:cNvPr>
+          <p:cNvSpPr>
+            <a:spLocks noGrp="1"/>
+          </p:cNvSpPr>
+          <p:nvPr>
+            <p:ph type="title"/>
+          </p:nvPr>
+        </p:nvSpPr>
+        <p:spPr/>
+        <p:txBody>
+          <a:bodyPr/>
+          <a:lstStyle/>
+          <a:p>
+            <a:r>
+              <a:rPr kumimoji="1" lang="zh-CN" altLang="en-US" dirty="0"/>
+              <a:t>受教育是为了什么</a:t>
+            </a:r>
+            <a:r>
+              <a:rPr kumimoji="1" lang="en-US" altLang="zh-CN" dirty="0"/>
+              <a:t>?</a:t>
+            </a:r>
+            <a:r>
+              <a:rPr kumimoji="1" lang="zh-CN" altLang="en-US" dirty="0"/>
+              <a:t> </a:t>
+            </a:r>
+          </a:p>
+        </p:txBody>
+      </p:sp>
+      <p:sp>
+        <p:nvSpPr>
+          <p:cNvPr id="5" name="TextBox 4">
+            <a:extLst>
+              <a:ext uri="{FF2B5EF4-FFF2-40B4-BE49-F238E27FC236}">
+                <a16:creationId xmlns:a16="http://schemas.microsoft.com/office/drawing/2014/main" id="{D59CAB32-7902-4FF4-88B4-5A0B02830C36}"/>
+              </a:ext>
+            </a:extLst>
+          </p:cNvPr>
+          <p:cNvSpPr txBox="1"/>
+          <p:nvPr/>
+        </p:nvSpPr>
+        <p:spPr>
+          <a:xfrm>
+            <a:off x="628650" y="1188719"/>
+            <a:ext cx="7949612" cy="923330"/>
+          </a:xfrm>
+          <a:prstGeom prst="rect">
+            <a:avLst/>
+          </a:prstGeom>
+          <a:noFill/>
+        </p:spPr>
+        <p:txBody>
+          <a:bodyPr wrap="none" rtlCol="0">
+            <a:spAutoFit/>
+          </a:bodyPr>
+          <a:lstStyle/>
+          <a:p>
+            <a:pPr marL="285750" indent="-285750">
+              <a:buFontTx/>
+              <a:buChar char="-"/>
+            </a:pPr>
+            <a:r>
+              <a:rPr kumimoji="1" lang="zh-CN" altLang="en-CN" dirty="0"/>
+              <a:t>一种</a:t>
+            </a:r>
+            <a:r>
+              <a:rPr kumimoji="1" lang="zh-CN" altLang="en-US" dirty="0"/>
+              <a:t>可能的想法</a:t>
+            </a:r>
+            <a:r>
+              <a:rPr kumimoji="1" lang="en-US" altLang="zh-CN" dirty="0"/>
+              <a:t>:</a:t>
+            </a:r>
+            <a:r>
+              <a:rPr kumimoji="1" lang="zh-CN" altLang="en-US" dirty="0"/>
+              <a:t> 为了自己的快乐以及满足对未知的渴望</a:t>
+            </a:r>
+            <a:endParaRPr kumimoji="1" lang="en-US" altLang="zh-CN" dirty="0"/>
+          </a:p>
+          <a:p>
+            <a:pPr marL="285750" indent="-285750">
+              <a:buFontTx/>
+              <a:buChar char="-"/>
+            </a:pPr>
+            <a:r>
+              <a:rPr kumimoji="1" lang="zh-CN" altLang="en-US" dirty="0"/>
+              <a:t>但显然大家都不觉得学习快乐</a:t>
+            </a:r>
+            <a:endParaRPr kumimoji="1" lang="en-US" altLang="zh-CN" dirty="0"/>
+          </a:p>
+          <a:p>
+            <a:pPr marL="742950" lvl="1" indent="-285750">
+              <a:buFontTx/>
+              <a:buChar char="-"/>
+            </a:pPr>
+            <a:r>
+              <a:rPr kumimoji="1" lang="zh-CN" altLang="en-US" dirty="0"/>
+              <a:t>但有人觉得</a:t>
+            </a:r>
+            <a:r>
+              <a:rPr kumimoji="1" lang="en-US" altLang="zh-CN" dirty="0"/>
+              <a:t>,</a:t>
+            </a:r>
+            <a:r>
+              <a:rPr kumimoji="1" lang="zh-CN" altLang="en-US" dirty="0"/>
+              <a:t> 因为他们用正确的引导材料来帮助他们完成前置的思考 </a:t>
+            </a:r>
+          </a:p>
+        </p:txBody>
+      </p:sp>
+      <p:sp>
+        <p:nvSpPr>
+          <p:cNvPr id="6" name="TextBox 5">
+            <a:extLst>
+              <a:ext uri="{FF2B5EF4-FFF2-40B4-BE49-F238E27FC236}">
+                <a16:creationId xmlns:a16="http://schemas.microsoft.com/office/drawing/2014/main" id="{D1B9A915-6D9A-CFE2-346B-88114B8B648C}"/>
+              </a:ext>
+            </a:extLst>
+          </p:cNvPr>
+          <p:cNvSpPr txBox="1"/>
+          <p:nvPr/>
+        </p:nvSpPr>
+        <p:spPr>
+          <a:xfrm>
+            <a:off x="2279469" y="3083958"/>
+            <a:ext cx="4585062" cy="2585323"/>
+          </a:xfrm>
+          <a:prstGeom prst="rect">
+            <a:avLst/>
+          </a:prstGeom>
+          <a:noFill/>
+        </p:spPr>
+        <p:txBody>
+          <a:bodyPr wrap="square">
+            <a:spAutoFit/>
+          </a:bodyPr>
+          <a:lstStyle/>
+          <a:p>
+            <a:r>
+              <a:rPr lang="en-US" b="0" i="0" dirty="0">
+                <a:solidFill>
+                  <a:srgbClr val="18191C"/>
+                </a:solidFill>
+                <a:effectLst/>
+                <a:latin typeface="PingFang SC" panose="020B0400000000000000" pitchFamily="34" charset="-122"/>
+                <a:ea typeface="PingFang SC" panose="020B0400000000000000" pitchFamily="34" charset="-122"/>
+              </a:rPr>
+              <a:t>cs</a:t>
+            </a:r>
+            <a:r>
+              <a:rPr lang="zh-CN" altLang="en-US" b="0" i="0" dirty="0">
+                <a:solidFill>
+                  <a:srgbClr val="18191C"/>
+                </a:solidFill>
+                <a:effectLst/>
+                <a:latin typeface="PingFang SC" panose="020B0400000000000000" pitchFamily="34" charset="-122"/>
+                <a:ea typeface="PingFang SC" panose="020B0400000000000000" pitchFamily="34" charset="-122"/>
+              </a:rPr>
+              <a:t>自学指南的作者说</a:t>
+            </a:r>
+            <a:r>
+              <a:rPr lang="en-US" b="0" i="0" dirty="0">
+                <a:solidFill>
+                  <a:srgbClr val="18191C"/>
+                </a:solidFill>
+                <a:effectLst/>
+                <a:latin typeface="PingFang SC" panose="020B0400000000000000" pitchFamily="34" charset="-122"/>
+                <a:ea typeface="PingFang SC" panose="020B0400000000000000" pitchFamily="34" charset="-122"/>
+              </a:rPr>
+              <a:t>cs61a</a:t>
+            </a:r>
+            <a:r>
+              <a:rPr lang="zh-CN" altLang="en-US" b="0" i="0" dirty="0">
+                <a:solidFill>
+                  <a:srgbClr val="18191C"/>
+                </a:solidFill>
+                <a:effectLst/>
+                <a:latin typeface="PingFang SC" panose="020B0400000000000000" pitchFamily="34" charset="-122"/>
+                <a:ea typeface="PingFang SC" panose="020B0400000000000000" pitchFamily="34" charset="-122"/>
+              </a:rPr>
+              <a:t>是他梦开始的地方，如果没有思路不妨从那开始，但我大一试了，没成，所以我推荐你们要是也没成的话再试一下线代。先</a:t>
+            </a:r>
+            <a:r>
+              <a:rPr lang="en-US" altLang="zh-CN" b="0" i="0" dirty="0">
+                <a:solidFill>
+                  <a:srgbClr val="18191C"/>
+                </a:solidFill>
+                <a:effectLst/>
+                <a:latin typeface="PingFang SC" panose="020B0400000000000000" pitchFamily="34" charset="-122"/>
+                <a:ea typeface="PingFang SC" panose="020B0400000000000000" pitchFamily="34" charset="-122"/>
+              </a:rPr>
+              <a:t>3</a:t>
+            </a:r>
+            <a:r>
+              <a:rPr lang="en-US" b="0" i="0" dirty="0">
+                <a:solidFill>
+                  <a:srgbClr val="18191C"/>
+                </a:solidFill>
+                <a:effectLst/>
+                <a:latin typeface="PingFang SC" panose="020B0400000000000000" pitchFamily="34" charset="-122"/>
+                <a:ea typeface="PingFang SC" panose="020B0400000000000000" pitchFamily="34" charset="-122"/>
+              </a:rPr>
+              <a:t>b1b</a:t>
+            </a:r>
+            <a:r>
+              <a:rPr lang="zh-CN" altLang="en-US" b="0" i="0" dirty="0">
+                <a:solidFill>
+                  <a:srgbClr val="18191C"/>
+                </a:solidFill>
+                <a:effectLst/>
+                <a:latin typeface="PingFang SC" panose="020B0400000000000000" pitchFamily="34" charset="-122"/>
+                <a:ea typeface="PingFang SC" panose="020B0400000000000000" pitchFamily="34" charset="-122"/>
+              </a:rPr>
+              <a:t>线性代数的本质，再</a:t>
+            </a:r>
+            <a:r>
+              <a:rPr lang="en-US" b="0" i="0" dirty="0">
+                <a:solidFill>
+                  <a:srgbClr val="18191C"/>
+                </a:solidFill>
+                <a:effectLst/>
+                <a:latin typeface="PingFang SC" panose="020B0400000000000000" pitchFamily="34" charset="-122"/>
+                <a:ea typeface="PingFang SC" panose="020B0400000000000000" pitchFamily="34" charset="-122"/>
+              </a:rPr>
+              <a:t>David </a:t>
+            </a:r>
+            <a:r>
+              <a:rPr lang="en-US" b="0" i="0" dirty="0" err="1">
+                <a:solidFill>
+                  <a:srgbClr val="18191C"/>
+                </a:solidFill>
+                <a:effectLst/>
+                <a:latin typeface="PingFang SC" panose="020B0400000000000000" pitchFamily="34" charset="-122"/>
+                <a:ea typeface="PingFang SC" panose="020B0400000000000000" pitchFamily="34" charset="-122"/>
+              </a:rPr>
+              <a:t>C.Lay</a:t>
+            </a:r>
+            <a:r>
+              <a:rPr lang="zh-CN" altLang="en-US" b="0" i="0" dirty="0">
+                <a:solidFill>
+                  <a:srgbClr val="18191C"/>
+                </a:solidFill>
+                <a:effectLst/>
+                <a:latin typeface="PingFang SC" panose="020B0400000000000000" pitchFamily="34" charset="-122"/>
+                <a:ea typeface="PingFang SC" panose="020B0400000000000000" pitchFamily="34" charset="-122"/>
+              </a:rPr>
+              <a:t>的教材，最后</a:t>
+            </a:r>
+            <a:r>
+              <a:rPr lang="en-US" b="0" i="0" dirty="0">
+                <a:solidFill>
+                  <a:srgbClr val="18191C"/>
+                </a:solidFill>
+                <a:effectLst/>
+                <a:latin typeface="PingFang SC" panose="020B0400000000000000" pitchFamily="34" charset="-122"/>
+                <a:ea typeface="PingFang SC" panose="020B0400000000000000" pitchFamily="34" charset="-122"/>
+              </a:rPr>
+              <a:t>Gilbert Strang</a:t>
+            </a:r>
+            <a:r>
+              <a:rPr lang="zh-CN" altLang="en-US" b="0" i="0" dirty="0">
+                <a:solidFill>
+                  <a:srgbClr val="18191C"/>
+                </a:solidFill>
+                <a:effectLst/>
+                <a:latin typeface="PingFang SC" panose="020B0400000000000000" pitchFamily="34" charset="-122"/>
+                <a:ea typeface="PingFang SC" panose="020B0400000000000000" pitchFamily="34" charset="-122"/>
+              </a:rPr>
+              <a:t>的课。尽管我花了小半年困难地啃，我还是成功意识到这是我这个普通人第一次“学懂”数学。然后以此为切入点获得了对任何领域都能学且敢学的能力。</a:t>
+            </a:r>
+            <a:endParaRPr lang="zh-CN" altLang="en-US" dirty="0"/>
+          </a:p>
+        </p:txBody>
+      </p:sp>
+      <p:sp>
+        <p:nvSpPr>
+          <p:cNvPr id="7" name="TextBox 6">
+            <a:extLst>
+              <a:ext uri="{FF2B5EF4-FFF2-40B4-BE49-F238E27FC236}">
+                <a16:creationId xmlns:a16="http://schemas.microsoft.com/office/drawing/2014/main" id="{BBFB7F1E-D54D-1CDB-95F2-C407C0BAAFED}"/>
+              </a:ext>
+            </a:extLst>
+          </p:cNvPr>
+          <p:cNvSpPr txBox="1"/>
+          <p:nvPr/>
+        </p:nvSpPr>
+        <p:spPr>
+          <a:xfrm>
+            <a:off x="628650" y="2643094"/>
+            <a:ext cx="6267147" cy="369332"/>
+          </a:xfrm>
+          <a:prstGeom prst="rect">
+            <a:avLst/>
+          </a:prstGeom>
+          <a:noFill/>
+        </p:spPr>
+        <p:txBody>
+          <a:bodyPr wrap="square" rtlCol="0">
+            <a:spAutoFit/>
+          </a:bodyPr>
+          <a:lstStyle/>
+          <a:p>
+            <a:r>
+              <a:rPr kumimoji="1" lang="zh-CN" altLang="en-CN" dirty="0"/>
+              <a:t>当然</a:t>
+            </a:r>
+            <a:r>
+              <a:rPr kumimoji="1" lang="zh-CN" altLang="en-US" dirty="0"/>
+              <a:t>也可以问问他们的同学 </a:t>
+            </a:r>
+            <a:r>
+              <a:rPr kumimoji="1" lang="en-US" altLang="zh-CN" dirty="0"/>
+              <a:t>@</a:t>
+            </a:r>
+            <a:r>
+              <a:rPr lang="en-US" b="1" i="0" dirty="0" err="1">
+                <a:effectLst/>
+                <a:latin typeface="PingFang SC" panose="020B0400000000000000" pitchFamily="34" charset="-122"/>
+                <a:ea typeface="PingFang SC" panose="020B0400000000000000" pitchFamily="34" charset="-122"/>
+              </a:rPr>
+              <a:t>llunatico</a:t>
+            </a:r>
+            <a:endParaRPr kumimoji="1" lang="zh-CN" altLang="en-US" dirty="0"/>
+          </a:p>
+        </p:txBody>
+      </p:sp>
+    </p:spTree>
+    <p:extLst>
+      <p:ext uri="{BB962C8B-B14F-4D97-AF65-F5344CB8AC3E}">
+        <p14:creationId xmlns:p14="http://schemas.microsoft.com/office/powerpoint/2010/main" val="1289490036"/>
+      </p:ext>
+    </p:extLst>
+  </p:cSld>
+  <p:clrMapOvr>
+    <a:masterClrMapping/>
+  </p:clrMapOvr>
+</p:sld>
+</file>
+
 <file path=ppt/slides/slide2.xml><?xml version="1.0" encoding="utf-8"?>
 <p:sld xmlns:a="http://schemas.openxmlformats.org/drawingml/2006/main" xmlns:r="http://schemas.openxmlformats.org/officeDocument/2006/relationships" xmlns:p="http://schemas.openxmlformats.org/presentationml/2006/main">
   <p:cSld>
@@ -1839,7 +3919,7 @@
           <a:p>
             <a:r>
               <a:rPr kumimoji="1" lang="zh-CN" altLang="en-US" dirty="0"/>
-              <a:t>高一寒假回到一中机房的情景</a:t>
+              <a:t>大一寒假回到一中机房的情景</a:t>
             </a:r>
           </a:p>
         </p:txBody>
@@ -1859,7 +3939,7 @@
         <p:spPr>
           <a:xfrm>
             <a:off x="628650" y="1333949"/>
-            <a:ext cx="7120860" cy="2031325"/>
+            <a:ext cx="6763390" cy="2585323"/>
           </a:xfrm>
           <a:prstGeom prst="rect">
             <a:avLst/>
@@ -1888,18 +3968,29 @@
               <a:rPr kumimoji="1" lang="zh-CN" altLang="en-US" dirty="0"/>
               <a:t> 他人看来失败的竞赛生</a:t>
             </a:r>
-            <a:r>
-              <a:rPr kumimoji="1" lang="en-US" altLang="zh-CN" dirty="0"/>
-              <a:t>(</a:t>
-            </a:r>
+            <a:endParaRPr kumimoji="1" lang="en-US" altLang="zh-CN" dirty="0"/>
+          </a:p>
+          <a:p>
+            <a:pPr marL="742950" lvl="1" indent="-285750">
+              <a:buFontTx/>
+              <a:buChar char="-"/>
+            </a:pPr>
+            <a:r>
+              <a:rPr kumimoji="1" lang="zh-CN" altLang="en-US" dirty="0"/>
+              <a:t>在弱省打得很烂</a:t>
+            </a:r>
+            <a:endParaRPr kumimoji="1" lang="en-US" altLang="zh-CN" dirty="0"/>
+          </a:p>
+          <a:p>
+            <a:pPr marL="742950" lvl="1" indent="-285750">
+              <a:buFontTx/>
+              <a:buChar char="-"/>
+            </a:pPr>
             <a:r>
               <a:rPr kumimoji="1" lang="zh-CN" altLang="en-US" dirty="0"/>
               <a:t>没有得到升学的任何优惠政策</a:t>
             </a:r>
-            <a:r>
-              <a:rPr kumimoji="1" lang="en-US" altLang="zh-CN" dirty="0"/>
-              <a:t>)</a:t>
-            </a:r>
+            <a:endParaRPr kumimoji="1" lang="en-US" altLang="zh-CN" dirty="0"/>
           </a:p>
           <a:p>
             <a:pPr marL="285750" indent="-285750">
@@ -2029,7 +4120,7 @@
         </p:blipFill>
         <p:spPr>
           <a:xfrm>
-            <a:off x="4572000" y="2541036"/>
+            <a:off x="4572000" y="2823329"/>
             <a:ext cx="4479377" cy="3359533"/>
           </a:xfrm>
           <a:prstGeom prst="rect">
@@ -2051,7 +4142,7 @@
         </p:nvSpPr>
         <p:spPr>
           <a:xfrm>
-            <a:off x="6920452" y="5908961"/>
+            <a:off x="6920452" y="6136100"/>
             <a:ext cx="2204450" cy="253916"/>
           </a:xfrm>
           <a:prstGeom prst="rect">
@@ -2076,6 +4167,109 @@
                 <a:cs typeface="Times New Roman" panose="02020603050405020304" pitchFamily="18" charset="0"/>
               </a:rPr>
               <a:t>这个是我们晚上出学校之后的情景</a:t>
+            </a:r>
+          </a:p>
+        </p:txBody>
+      </p:sp>
+      <p:sp>
+        <p:nvSpPr>
+          <p:cNvPr id="8" name="Cloud Callout 7">
+            <a:extLst>
+              <a:ext uri="{FF2B5EF4-FFF2-40B4-BE49-F238E27FC236}">
+                <a16:creationId xmlns:a16="http://schemas.microsoft.com/office/drawing/2014/main" id="{4F085C3E-57C6-969E-0A8B-FC2A4567C372}"/>
+              </a:ext>
+            </a:extLst>
+          </p:cNvPr>
+          <p:cNvSpPr/>
+          <p:nvPr/>
+        </p:nvSpPr>
+        <p:spPr>
+          <a:xfrm>
+            <a:off x="5675416" y="1933240"/>
+            <a:ext cx="2409713" cy="431396"/>
+          </a:xfrm>
+          <a:prstGeom prst="cloudCallout">
+            <a:avLst>
+              <a:gd name="adj1" fmla="val -13301"/>
+              <a:gd name="adj2" fmla="val 75373"/>
+            </a:avLst>
+          </a:prstGeom>
+          <a:noFill/>
+          <a:ln>
+            <a:solidFill>
+              <a:schemeClr val="tx1">
+                <a:alpha val="47000"/>
+              </a:schemeClr>
+            </a:solidFill>
+          </a:ln>
+        </p:spPr>
+        <p:style>
+          <a:lnRef idx="2">
+            <a:schemeClr val="accent1">
+              <a:shade val="50000"/>
+            </a:schemeClr>
+          </a:lnRef>
+          <a:fillRef idx="1">
+            <a:schemeClr val="accent1"/>
+          </a:fillRef>
+          <a:effectRef idx="0">
+            <a:schemeClr val="accent1"/>
+          </a:effectRef>
+          <a:fontRef idx="minor">
+            <a:schemeClr val="lt1"/>
+          </a:fontRef>
+        </p:style>
+        <p:txBody>
+          <a:bodyPr rtlCol="0" anchor="t"/>
+          <a:lstStyle/>
+          <a:p>
+            <a:r>
+              <a:rPr kumimoji="1" lang="zh-CN" altLang="en-CN" sz="1050" dirty="0">
+                <a:solidFill>
+                  <a:schemeClr val="bg1">
+                    <a:lumMod val="65000"/>
+                  </a:schemeClr>
+                </a:solidFill>
+                <a:latin typeface="Times New Roman" panose="02020603050405020304" pitchFamily="18" charset="0"/>
+                <a:cs typeface="Times New Roman" panose="02020603050405020304" pitchFamily="18" charset="0"/>
+              </a:rPr>
+              <a:t>比</a:t>
+            </a:r>
+            <a:r>
+              <a:rPr kumimoji="1" lang="zh-CN" altLang="en-US" sz="1050" dirty="0">
+                <a:solidFill>
+                  <a:schemeClr val="bg1">
+                    <a:lumMod val="65000"/>
+                  </a:schemeClr>
+                </a:solidFill>
+                <a:latin typeface="Times New Roman" panose="02020603050405020304" pitchFamily="18" charset="0"/>
+                <a:cs typeface="Times New Roman" panose="02020603050405020304" pitchFamily="18" charset="0"/>
+              </a:rPr>
+              <a:t>当时的</a:t>
+            </a:r>
+            <a:r>
+              <a:rPr kumimoji="1" lang="zh-CN" altLang="en-CN" sz="1050" dirty="0">
+                <a:solidFill>
+                  <a:schemeClr val="bg1">
+                    <a:lumMod val="65000"/>
+                  </a:schemeClr>
+                </a:solidFill>
+                <a:latin typeface="Times New Roman" panose="02020603050405020304" pitchFamily="18" charset="0"/>
+                <a:cs typeface="Times New Roman" panose="02020603050405020304" pitchFamily="18" charset="0"/>
+              </a:rPr>
+              <a:t>我强多</a:t>
+            </a:r>
+            <a:r>
+              <a:rPr kumimoji="1" lang="zh-CN" altLang="en-US" sz="1050" dirty="0">
+                <a:solidFill>
+                  <a:schemeClr val="bg1">
+                    <a:lumMod val="65000"/>
+                  </a:schemeClr>
+                </a:solidFill>
+                <a:latin typeface="Times New Roman" panose="02020603050405020304" pitchFamily="18" charset="0"/>
+                <a:cs typeface="Times New Roman" panose="02020603050405020304" pitchFamily="18" charset="0"/>
+              </a:rPr>
+              <a:t>了</a:t>
             </a:r>
           </a:p>
         </p:txBody>
@@ -2163,7 +4357,7 @@
           <a:p>
             <a:r>
               <a:rPr kumimoji="1" lang="zh-CN" altLang="en-US" dirty="0"/>
-              <a:t>高一寒假回到一中机房的情景</a:t>
+              <a:t>大一寒假回到一中机房的情景</a:t>
             </a:r>
           </a:p>
         </p:txBody>
@@ -2407,7 +4601,7 @@
           <a:p>
             <a:r>
               <a:rPr kumimoji="1" lang="zh-CN" altLang="en-US" dirty="0"/>
-              <a:t>高一寒假回到一中机房的情景</a:t>
+              <a:t>大一寒假回到一中机房的情景</a:t>
             </a:r>
           </a:p>
         </p:txBody>
@@ -2718,8 +4912,8 @@
           </a:p>
         </p:txBody>
       </p:sp>
-      <mc:AlternateContent xmlns:mc="http://schemas.openxmlformats.org/markup-compatibility/2006">
-        <mc:Choice xmlns:a14="http://schemas.microsoft.com/office/drawing/2010/main" Requires="a14">
+      <mc:AlternateContent xmlns:mc="http://schemas.openxmlformats.org/markup-compatibility/2006" xmlns:a14="http://schemas.microsoft.com/office/drawing/2010/main">
+        <mc:Choice Requires="a14">
           <p:sp>
             <p:nvSpPr>
               <p:cNvPr id="15" name="TextBox 14">
@@ -3136,7 +5330,7 @@
             </p:txBody>
           </p:sp>
         </mc:Choice>
-        <mc:Fallback>
+        <mc:Fallback xmlns="">
           <p:sp>
             <p:nvSpPr>
               <p:cNvPr id="15" name="TextBox 14">
@@ -3258,8 +5452,8 @@
           </a:p>
         </p:txBody>
       </p:sp>
-      <mc:AlternateContent xmlns:mc="http://schemas.openxmlformats.org/markup-compatibility/2006">
-        <mc:Choice xmlns:a14="http://schemas.microsoft.com/office/drawing/2010/main" Requires="a14">
+      <mc:AlternateContent xmlns:mc="http://schemas.openxmlformats.org/markup-compatibility/2006" xmlns:a14="http://schemas.microsoft.com/office/drawing/2010/main">
+        <mc:Choice Requires="a14">
           <p:sp>
             <p:nvSpPr>
               <p:cNvPr id="18" name="TextBox 17">
@@ -3347,7 +5541,7 @@
             </p:txBody>
           </p:sp>
         </mc:Choice>
-        <mc:Fallback>
+        <mc:Fallback xmlns="">
           <p:sp>
             <p:nvSpPr>
               <p:cNvPr id="18" name="TextBox 17">
@@ -4950,10 +7144,1102 @@
           </a:p>
         </p:txBody>
       </p:sp>
+      <p:sp>
+        <p:nvSpPr>
+          <p:cNvPr id="5" name="TextBox 4">
+            <a:extLst>
+              <a:ext uri="{FF2B5EF4-FFF2-40B4-BE49-F238E27FC236}">
+                <a16:creationId xmlns:a16="http://schemas.microsoft.com/office/drawing/2014/main" id="{58A8944C-E753-78C5-F415-0756DFA85F2D}"/>
+              </a:ext>
+            </a:extLst>
+          </p:cNvPr>
+          <p:cNvSpPr txBox="1"/>
+          <p:nvPr/>
+        </p:nvSpPr>
+        <p:spPr>
+          <a:xfrm>
+            <a:off x="726830" y="2250830"/>
+            <a:ext cx="1467068" cy="369332"/>
+          </a:xfrm>
+          <a:prstGeom prst="rect">
+            <a:avLst/>
+          </a:prstGeom>
+          <a:noFill/>
+        </p:spPr>
+        <p:txBody>
+          <a:bodyPr wrap="none" rtlCol="0">
+            <a:spAutoFit/>
+          </a:bodyPr>
+          <a:lstStyle/>
+          <a:p>
+            <a:r>
+              <a:rPr kumimoji="1" lang="zh-CN" altLang="en-US" dirty="0"/>
+              <a:t>你们想搜啥</a:t>
+            </a:r>
+            <a:r>
+              <a:rPr kumimoji="1" lang="en-US" altLang="zh-CN" dirty="0"/>
+              <a:t>?</a:t>
+            </a:r>
+            <a:endParaRPr kumimoji="1" lang="zh-CN" altLang="en-US" dirty="0"/>
+          </a:p>
+        </p:txBody>
+      </p:sp>
     </p:spTree>
     <p:extLst>
       <p:ext uri="{BB962C8B-B14F-4D97-AF65-F5344CB8AC3E}">
         <p14:creationId xmlns:p14="http://schemas.microsoft.com/office/powerpoint/2010/main" val="2655556219"/>
+      </p:ext>
+    </p:extLst>
+  </p:cSld>
+  <p:clrMapOvr>
+    <a:masterClrMapping/>
+  </p:clrMapOvr>
+</p:sld>
+</file>
+
+<file path=ppt/slides/slide8.xml><?xml version="1.0" encoding="utf-8"?>
+<p:sld xmlns:a="http://schemas.openxmlformats.org/drawingml/2006/main" xmlns:r="http://schemas.openxmlformats.org/officeDocument/2006/relationships" xmlns:p="http://schemas.openxmlformats.org/presentationml/2006/main">
+  <p:cSld>
+    <p:spTree>
+      <p:nvGrpSpPr>
+        <p:cNvPr id="1" name=""/>
+        <p:cNvGrpSpPr/>
+        <p:nvPr/>
+      </p:nvGrpSpPr>
+      <p:grpSpPr>
+        <a:xfrm>
+          <a:off x="0" y="0"/>
+          <a:ext cx="0" cy="0"/>
+          <a:chOff x="0" y="0"/>
+          <a:chExt cx="0" cy="0"/>
+        </a:xfrm>
+      </p:grpSpPr>
+      <p:sp>
+        <p:nvSpPr>
+          <p:cNvPr id="2" name="Slide Number Placeholder 1">
+            <a:extLst>
+              <a:ext uri="{FF2B5EF4-FFF2-40B4-BE49-F238E27FC236}">
+                <a16:creationId xmlns:a16="http://schemas.microsoft.com/office/drawing/2014/main" id="{FFF0F4F4-5874-CC7E-D4C3-5D311621CEC7}"/>
+              </a:ext>
+            </a:extLst>
+          </p:cNvPr>
+          <p:cNvSpPr>
+            <a:spLocks noGrp="1"/>
+          </p:cNvSpPr>
+          <p:nvPr>
+            <p:ph type="sldNum" sz="quarter" idx="12"/>
+          </p:nvPr>
+        </p:nvSpPr>
+        <p:spPr/>
+        <p:txBody>
+          <a:bodyPr/>
+          <a:lstStyle/>
+          <a:p>
+            <a:fld id="{7A304655-5D53-B746-8252-3F5A598C52D3}" type="slidenum">
+              <a:rPr lang="en-CN" smtClean="0"/>
+              <a:pPr/>
+              <a:t>8</a:t>
+            </a:fld>
+            <a:endParaRPr lang="en-CN"/>
+          </a:p>
+        </p:txBody>
+      </p:sp>
+      <p:sp>
+        <p:nvSpPr>
+          <p:cNvPr id="3" name="Title 2">
+            <a:extLst>
+              <a:ext uri="{FF2B5EF4-FFF2-40B4-BE49-F238E27FC236}">
+                <a16:creationId xmlns:a16="http://schemas.microsoft.com/office/drawing/2014/main" id="{82015B4C-25DD-A46F-19E2-814D60FBAAA2}"/>
+              </a:ext>
+            </a:extLst>
+          </p:cNvPr>
+          <p:cNvSpPr>
+            <a:spLocks noGrp="1"/>
+          </p:cNvSpPr>
+          <p:nvPr>
+            <p:ph type="title"/>
+          </p:nvPr>
+        </p:nvSpPr>
+        <p:spPr/>
+        <p:txBody>
+          <a:bodyPr/>
+          <a:lstStyle/>
+          <a:p>
+            <a:r>
+              <a:rPr kumimoji="1" lang="zh-CN" altLang="en-US" dirty="0"/>
+              <a:t>总有更加好的方法相应我们的诉求</a:t>
+            </a:r>
+          </a:p>
+        </p:txBody>
+      </p:sp>
+      <p:sp>
+        <p:nvSpPr>
+          <p:cNvPr id="5" name="TextBox 4">
+            <a:extLst>
+              <a:ext uri="{FF2B5EF4-FFF2-40B4-BE49-F238E27FC236}">
+                <a16:creationId xmlns:a16="http://schemas.microsoft.com/office/drawing/2014/main" id="{58A8944C-E753-78C5-F415-0756DFA85F2D}"/>
+              </a:ext>
+            </a:extLst>
+          </p:cNvPr>
+          <p:cNvSpPr txBox="1"/>
+          <p:nvPr/>
+        </p:nvSpPr>
+        <p:spPr>
+          <a:xfrm>
+            <a:off x="726830" y="1160584"/>
+            <a:ext cx="6267147" cy="369332"/>
+          </a:xfrm>
+          <a:prstGeom prst="rect">
+            <a:avLst/>
+          </a:prstGeom>
+          <a:noFill/>
+        </p:spPr>
+        <p:txBody>
+          <a:bodyPr wrap="square" rtlCol="0">
+            <a:spAutoFit/>
+          </a:bodyPr>
+          <a:lstStyle/>
+          <a:p>
+            <a:r>
+              <a:rPr kumimoji="1" lang="zh-CN" altLang="en-CN" dirty="0"/>
+              <a:t>当然</a:t>
+            </a:r>
+            <a:r>
+              <a:rPr kumimoji="1" lang="zh-CN" altLang="en-US" dirty="0"/>
+              <a:t>也可以问问他们的同学 </a:t>
+            </a:r>
+            <a:r>
+              <a:rPr kumimoji="1" lang="en-US" altLang="zh-CN" dirty="0"/>
+              <a:t>@</a:t>
+            </a:r>
+            <a:r>
+              <a:rPr lang="en-US" b="1" i="0" dirty="0" err="1">
+                <a:effectLst/>
+                <a:latin typeface="PingFang SC" panose="020B0400000000000000" pitchFamily="34" charset="-122"/>
+                <a:ea typeface="PingFang SC" panose="020B0400000000000000" pitchFamily="34" charset="-122"/>
+              </a:rPr>
+              <a:t>llunatico</a:t>
+            </a:r>
+            <a:endParaRPr kumimoji="1" lang="zh-CN" altLang="en-US" dirty="0"/>
+          </a:p>
+        </p:txBody>
+      </p:sp>
+      <p:sp>
+        <p:nvSpPr>
+          <p:cNvPr id="6" name="TextBox 5">
+            <a:extLst>
+              <a:ext uri="{FF2B5EF4-FFF2-40B4-BE49-F238E27FC236}">
+                <a16:creationId xmlns:a16="http://schemas.microsoft.com/office/drawing/2014/main" id="{F92FE8D7-2338-4072-798B-3A9E9F195202}"/>
+              </a:ext>
+            </a:extLst>
+          </p:cNvPr>
+          <p:cNvSpPr txBox="1"/>
+          <p:nvPr/>
+        </p:nvSpPr>
+        <p:spPr>
+          <a:xfrm>
+            <a:off x="1803742" y="1664278"/>
+            <a:ext cx="5536516" cy="1754326"/>
+          </a:xfrm>
+          <a:prstGeom prst="rect">
+            <a:avLst/>
+          </a:prstGeom>
+          <a:noFill/>
+        </p:spPr>
+        <p:txBody>
+          <a:bodyPr wrap="square" rtlCol="0">
+            <a:spAutoFit/>
+          </a:bodyPr>
+          <a:lstStyle/>
+          <a:p>
+            <a:r>
+              <a:rPr lang="zh-CN" altLang="en-US" b="0" i="0" dirty="0">
+                <a:solidFill>
+                  <a:srgbClr val="18191C"/>
+                </a:solidFill>
+                <a:effectLst/>
+                <a:latin typeface="PingFang SC" panose="020B0400000000000000" pitchFamily="34" charset="-122"/>
+                <a:ea typeface="PingFang SC" panose="020B0400000000000000" pitchFamily="34" charset="-122"/>
+              </a:rPr>
+              <a:t>我待的这个地方不令人满意，</a:t>
+            </a:r>
+            <a:r>
+              <a:rPr lang="zh-CN" altLang="en-US" b="0" i="0" dirty="0">
+                <a:solidFill>
+                  <a:srgbClr val="FF0000"/>
+                </a:solidFill>
+                <a:effectLst/>
+                <a:latin typeface="PingFang SC" panose="020B0400000000000000" pitchFamily="34" charset="-122"/>
+                <a:ea typeface="PingFang SC" panose="020B0400000000000000" pitchFamily="34" charset="-122"/>
+              </a:rPr>
+              <a:t>每个角落都老旧得像一副吱呀作响的空马车骨架</a:t>
+            </a:r>
+            <a:r>
+              <a:rPr lang="zh-CN" altLang="en-US" b="0" i="0" dirty="0">
+                <a:solidFill>
+                  <a:srgbClr val="18191C"/>
+                </a:solidFill>
+                <a:effectLst/>
+                <a:latin typeface="PingFang SC" panose="020B0400000000000000" pitchFamily="34" charset="-122"/>
+                <a:ea typeface="PingFang SC" panose="020B0400000000000000" pitchFamily="34" charset="-122"/>
+              </a:rPr>
+              <a:t>（不是物理意义），荒唐得无可救药。</a:t>
+            </a:r>
+            <a:r>
+              <a:rPr lang="zh-CN" altLang="en-US" b="0" i="0" dirty="0">
+                <a:solidFill>
+                  <a:schemeClr val="accent6"/>
+                </a:solidFill>
+                <a:effectLst/>
+                <a:latin typeface="PingFang SC" panose="020B0400000000000000" pitchFamily="34" charset="-122"/>
+                <a:ea typeface="PingFang SC" panose="020B0400000000000000" pitchFamily="34" charset="-122"/>
+              </a:rPr>
+              <a:t>但看到</a:t>
+            </a:r>
+            <a:r>
+              <a:rPr lang="en-US" b="0" i="0" dirty="0" err="1">
+                <a:solidFill>
+                  <a:schemeClr val="accent6"/>
+                </a:solidFill>
+                <a:effectLst/>
+                <a:latin typeface="PingFang SC" panose="020B0400000000000000" pitchFamily="34" charset="-122"/>
+                <a:ea typeface="PingFang SC" panose="020B0400000000000000" pitchFamily="34" charset="-122"/>
+              </a:rPr>
+              <a:t>jyy</a:t>
+            </a:r>
+            <a:r>
+              <a:rPr lang="zh-CN" altLang="en-US" b="0" i="0" dirty="0">
+                <a:solidFill>
+                  <a:schemeClr val="accent6"/>
+                </a:solidFill>
+                <a:effectLst/>
+                <a:latin typeface="PingFang SC" panose="020B0400000000000000" pitchFamily="34" charset="-122"/>
+                <a:ea typeface="PingFang SC" panose="020B0400000000000000" pitchFamily="34" charset="-122"/>
+              </a:rPr>
+              <a:t>的</a:t>
+            </a:r>
+            <a:r>
+              <a:rPr lang="en-US" b="0" i="0" dirty="0">
+                <a:solidFill>
+                  <a:schemeClr val="accent6"/>
+                </a:solidFill>
+                <a:effectLst/>
+                <a:latin typeface="PingFang SC" panose="020B0400000000000000" pitchFamily="34" charset="-122"/>
+                <a:ea typeface="PingFang SC" panose="020B0400000000000000" pitchFamily="34" charset="-122"/>
+              </a:rPr>
+              <a:t>OS，</a:t>
+            </a:r>
+            <a:r>
+              <a:rPr lang="zh-CN" altLang="en-US" b="0" i="0" dirty="0">
+                <a:solidFill>
+                  <a:schemeClr val="accent6"/>
+                </a:solidFill>
+                <a:effectLst/>
+                <a:latin typeface="PingFang SC" panose="020B0400000000000000" pitchFamily="34" charset="-122"/>
+                <a:ea typeface="PingFang SC" panose="020B0400000000000000" pitchFamily="34" charset="-122"/>
+              </a:rPr>
+              <a:t>上了蚂蚁老师的编译原理，为真正的通识而设的</a:t>
+            </a:r>
+            <a:r>
+              <a:rPr lang="en-US" b="0" i="0" dirty="0">
+                <a:solidFill>
+                  <a:schemeClr val="accent6"/>
+                </a:solidFill>
+                <a:effectLst/>
+                <a:latin typeface="PingFang SC" panose="020B0400000000000000" pitchFamily="34" charset="-122"/>
+                <a:ea typeface="PingFang SC" panose="020B0400000000000000" pitchFamily="34" charset="-122"/>
+              </a:rPr>
+              <a:t>DIY</a:t>
+            </a:r>
+            <a:r>
+              <a:rPr lang="zh-CN" altLang="en-US" b="0" i="0" dirty="0">
+                <a:solidFill>
+                  <a:schemeClr val="accent6"/>
+                </a:solidFill>
+                <a:effectLst/>
+                <a:latin typeface="PingFang SC" panose="020B0400000000000000" pitchFamily="34" charset="-122"/>
+                <a:ea typeface="PingFang SC" panose="020B0400000000000000" pitchFamily="34" charset="-122"/>
+              </a:rPr>
+              <a:t>课，又让人觉得极其</a:t>
+            </a:r>
+            <a:r>
+              <a:rPr lang="en-US" b="0" i="0" dirty="0">
+                <a:solidFill>
+                  <a:schemeClr val="accent6"/>
+                </a:solidFill>
+                <a:effectLst/>
+                <a:latin typeface="PingFang SC" panose="020B0400000000000000" pitchFamily="34" charset="-122"/>
+                <a:ea typeface="PingFang SC" panose="020B0400000000000000" pitchFamily="34" charset="-122"/>
+              </a:rPr>
+              <a:t>promising，</a:t>
+            </a:r>
+            <a:r>
+              <a:rPr lang="zh-CN" altLang="en-US" b="0" i="0" dirty="0">
+                <a:solidFill>
+                  <a:schemeClr val="accent6"/>
+                </a:solidFill>
+                <a:effectLst/>
+                <a:latin typeface="PingFang SC" panose="020B0400000000000000" pitchFamily="34" charset="-122"/>
+                <a:ea typeface="PingFang SC" panose="020B0400000000000000" pitchFamily="34" charset="-122"/>
+              </a:rPr>
+              <a:t>非常割裂。</a:t>
+            </a:r>
+            <a:r>
+              <a:rPr lang="zh-CN" altLang="en-US" b="0" i="0" dirty="0">
+                <a:solidFill>
+                  <a:srgbClr val="18191C"/>
+                </a:solidFill>
+                <a:effectLst/>
+                <a:latin typeface="PingFang SC" panose="020B0400000000000000" pitchFamily="34" charset="-122"/>
+                <a:ea typeface="PingFang SC" panose="020B0400000000000000" pitchFamily="34" charset="-122"/>
+              </a:rPr>
+              <a:t>其实他们证明的是，改变不难，只要做的事是真的，现状就会好转，</a:t>
+            </a:r>
+            <a:r>
+              <a:rPr lang="en-US" b="0" i="0" dirty="0">
+                <a:solidFill>
+                  <a:srgbClr val="18191C"/>
+                </a:solidFill>
+                <a:effectLst/>
+                <a:latin typeface="PingFang SC" panose="020B0400000000000000" pitchFamily="34" charset="-122"/>
+                <a:ea typeface="PingFang SC" panose="020B0400000000000000" pitchFamily="34" charset="-122"/>
+              </a:rPr>
+              <a:t>vice versa </a:t>
+            </a:r>
+            <a:endParaRPr kumimoji="1" lang="zh-CN" altLang="en-US" dirty="0"/>
+          </a:p>
+        </p:txBody>
+      </p:sp>
+      <p:grpSp>
+        <p:nvGrpSpPr>
+          <p:cNvPr id="8" name="Group 7">
+            <a:extLst>
+              <a:ext uri="{FF2B5EF4-FFF2-40B4-BE49-F238E27FC236}">
+                <a16:creationId xmlns:a16="http://schemas.microsoft.com/office/drawing/2014/main" id="{26347BAE-FC46-1535-F76C-FD1A07066329}"/>
+              </a:ext>
+            </a:extLst>
+          </p:cNvPr>
+          <p:cNvGrpSpPr/>
+          <p:nvPr/>
+        </p:nvGrpSpPr>
+        <p:grpSpPr>
+          <a:xfrm>
+            <a:off x="628650" y="3729842"/>
+            <a:ext cx="7624099" cy="2065274"/>
+            <a:chOff x="628650" y="2280213"/>
+            <a:chExt cx="7624099" cy="2065274"/>
+          </a:xfrm>
+        </p:grpSpPr>
+        <p:sp>
+          <p:nvSpPr>
+            <p:cNvPr id="9" name="Rounded Rectangle 8">
+              <a:extLst>
+                <a:ext uri="{FF2B5EF4-FFF2-40B4-BE49-F238E27FC236}">
+                  <a16:creationId xmlns:a16="http://schemas.microsoft.com/office/drawing/2014/main" id="{96E0B706-1F1B-36B2-BAAF-70C8ACBFF304}"/>
+                </a:ext>
+              </a:extLst>
+            </p:cNvPr>
+            <p:cNvSpPr/>
+            <p:nvPr/>
+          </p:nvSpPr>
+          <p:spPr>
+            <a:xfrm>
+              <a:off x="628650" y="2592729"/>
+              <a:ext cx="7624099" cy="1752758"/>
+            </a:xfrm>
+            <a:prstGeom prst="roundRect">
+              <a:avLst/>
+            </a:prstGeom>
+            <a:solidFill>
+              <a:schemeClr val="accent1">
+                <a:alpha val="22261"/>
+              </a:schemeClr>
+            </a:solidFill>
+            <a:ln>
+              <a:solidFill>
+                <a:schemeClr val="accent1">
+                  <a:shade val="50000"/>
+                </a:schemeClr>
+              </a:solidFill>
+            </a:ln>
+            <a:effectLst>
+              <a:outerShdw blurRad="50800" dist="38100" algn="l" rotWithShape="0">
+                <a:prstClr val="black">
+                  <a:alpha val="40000"/>
+                </a:prstClr>
+              </a:outerShdw>
+            </a:effectLst>
+          </p:spPr>
+          <p:style>
+            <a:lnRef idx="2">
+              <a:schemeClr val="accent1">
+                <a:shade val="50000"/>
+              </a:schemeClr>
+            </a:lnRef>
+            <a:fillRef idx="1">
+              <a:schemeClr val="accent1"/>
+            </a:fillRef>
+            <a:effectRef idx="0">
+              <a:schemeClr val="accent1"/>
+            </a:effectRef>
+            <a:fontRef idx="minor">
+              <a:schemeClr val="lt1"/>
+            </a:fontRef>
+          </p:style>
+          <p:txBody>
+            <a:bodyPr rtlCol="0" anchor="ctr"/>
+            <a:lstStyle/>
+            <a:p>
+              <a:pPr algn="ctr"/>
+              <a:endParaRPr kumimoji="1" lang="zh-CN" altLang="en-US"/>
+            </a:p>
+          </p:txBody>
+        </p:sp>
+        <p:sp>
+          <p:nvSpPr>
+            <p:cNvPr id="10" name="Rectangle 9">
+              <a:extLst>
+                <a:ext uri="{FF2B5EF4-FFF2-40B4-BE49-F238E27FC236}">
+                  <a16:creationId xmlns:a16="http://schemas.microsoft.com/office/drawing/2014/main" id="{BD6E37BE-6B8D-45A2-AFFF-6CB1114DAA67}"/>
+                </a:ext>
+              </a:extLst>
+            </p:cNvPr>
+            <p:cNvSpPr/>
+            <p:nvPr/>
+          </p:nvSpPr>
+          <p:spPr>
+            <a:xfrm>
+              <a:off x="868100" y="2280213"/>
+              <a:ext cx="1443218" cy="312516"/>
+            </a:xfrm>
+            <a:prstGeom prst="rect">
+              <a:avLst/>
+            </a:prstGeom>
+          </p:spPr>
+          <p:style>
+            <a:lnRef idx="2">
+              <a:schemeClr val="accent1">
+                <a:shade val="50000"/>
+              </a:schemeClr>
+            </a:lnRef>
+            <a:fillRef idx="1">
+              <a:schemeClr val="accent1"/>
+            </a:fillRef>
+            <a:effectRef idx="0">
+              <a:schemeClr val="accent1"/>
+            </a:effectRef>
+            <a:fontRef idx="minor">
+              <a:schemeClr val="lt1"/>
+            </a:fontRef>
+          </p:style>
+          <p:txBody>
+            <a:bodyPr rtlCol="0" anchor="ctr"/>
+            <a:lstStyle/>
+            <a:p>
+              <a:pPr algn="ctr"/>
+              <a:r>
+                <a:rPr kumimoji="1" lang="en-CN" altLang="zh-CN" dirty="0"/>
+                <a:t>Take</a:t>
+              </a:r>
+              <a:r>
+                <a:rPr kumimoji="1" lang="en-US" altLang="zh-CN" dirty="0"/>
+                <a:t>away</a:t>
+              </a:r>
+              <a:endParaRPr kumimoji="1" lang="zh-CN" altLang="en-US" dirty="0"/>
+            </a:p>
+          </p:txBody>
+        </p:sp>
+        <p:sp>
+          <p:nvSpPr>
+            <p:cNvPr id="12" name="TextBox 11">
+              <a:extLst>
+                <a:ext uri="{FF2B5EF4-FFF2-40B4-BE49-F238E27FC236}">
+                  <a16:creationId xmlns:a16="http://schemas.microsoft.com/office/drawing/2014/main" id="{18DD80BC-DA9D-8F46-BF8F-ED4FAB82923E}"/>
+                </a:ext>
+              </a:extLst>
+            </p:cNvPr>
+            <p:cNvSpPr txBox="1"/>
+            <p:nvPr/>
+          </p:nvSpPr>
+          <p:spPr>
+            <a:xfrm>
+              <a:off x="844951" y="2761005"/>
+              <a:ext cx="6377651" cy="1477328"/>
+            </a:xfrm>
+            <a:prstGeom prst="rect">
+              <a:avLst/>
+            </a:prstGeom>
+            <a:noFill/>
+          </p:spPr>
+          <p:txBody>
+            <a:bodyPr wrap="square">
+              <a:spAutoFit/>
+            </a:bodyPr>
+            <a:lstStyle/>
+            <a:p>
+              <a:r>
+                <a:rPr lang="zh-CN" altLang="en-US" b="0" i="0" dirty="0">
+                  <a:effectLst/>
+                  <a:latin typeface="Roboto" panose="020F0502020204030204" pitchFamily="34" charset="0"/>
+                </a:rPr>
+                <a:t>既然你选择在国内就读本科，那么不要对教学水平抱有任何期望。总体上来说，如果把视线放在三本到一本，那么分数越高，遇到优质教学的概率就越大；但如果把视野放到所有 </a:t>
+              </a:r>
+              <a:r>
+                <a:rPr lang="en-US" altLang="zh-CN" b="0" i="0" dirty="0">
+                  <a:effectLst/>
+                  <a:latin typeface="Roboto" panose="020F0502020204030204" pitchFamily="34" charset="0"/>
+                </a:rPr>
+                <a:t>985 </a:t>
+              </a:r>
+              <a:r>
+                <a:rPr lang="zh-CN" altLang="en-US" b="0" i="0" dirty="0">
+                  <a:effectLst/>
+                  <a:latin typeface="Roboto" panose="020F0502020204030204" pitchFamily="34" charset="0"/>
+                </a:rPr>
+                <a:t>这样的小范围里，那么教学质量具有高度随机性。你必须做好自学的准备。</a:t>
+              </a:r>
+              <a:endParaRPr kumimoji="1" lang="zh-CN" altLang="en-US" dirty="0"/>
+            </a:p>
+          </p:txBody>
+        </p:sp>
+      </p:grpSp>
+      <p:sp>
+        <p:nvSpPr>
+          <p:cNvPr id="13" name="Cloud Callout 12">
+            <a:extLst>
+              <a:ext uri="{FF2B5EF4-FFF2-40B4-BE49-F238E27FC236}">
+                <a16:creationId xmlns:a16="http://schemas.microsoft.com/office/drawing/2014/main" id="{4F7EF629-99C3-7F3F-10A6-17491FE0D528}"/>
+              </a:ext>
+            </a:extLst>
+          </p:cNvPr>
+          <p:cNvSpPr/>
+          <p:nvPr/>
+        </p:nvSpPr>
+        <p:spPr>
+          <a:xfrm>
+            <a:off x="6232163" y="3463843"/>
+            <a:ext cx="2779345" cy="494377"/>
+          </a:xfrm>
+          <a:prstGeom prst="cloudCallout">
+            <a:avLst>
+              <a:gd name="adj1" fmla="val -25283"/>
+              <a:gd name="adj2" fmla="val 83754"/>
+            </a:avLst>
+          </a:prstGeom>
+          <a:noFill/>
+          <a:ln>
+            <a:solidFill>
+              <a:schemeClr val="tx1">
+                <a:alpha val="47000"/>
+              </a:schemeClr>
+            </a:solidFill>
+          </a:ln>
+        </p:spPr>
+        <p:style>
+          <a:lnRef idx="2">
+            <a:schemeClr val="accent1">
+              <a:shade val="50000"/>
+            </a:schemeClr>
+          </a:lnRef>
+          <a:fillRef idx="1">
+            <a:schemeClr val="accent1"/>
+          </a:fillRef>
+          <a:effectRef idx="0">
+            <a:schemeClr val="accent1"/>
+          </a:effectRef>
+          <a:fontRef idx="minor">
+            <a:schemeClr val="lt1"/>
+          </a:fontRef>
+        </p:style>
+        <p:txBody>
+          <a:bodyPr rtlCol="0" anchor="t"/>
+          <a:lstStyle/>
+          <a:p>
+            <a:r>
+              <a:rPr kumimoji="1" lang="zh-CN" altLang="en-CN" sz="1050" dirty="0">
+                <a:solidFill>
+                  <a:schemeClr val="bg1">
+                    <a:lumMod val="65000"/>
+                  </a:schemeClr>
+                </a:solidFill>
+                <a:latin typeface="Times New Roman" panose="02020603050405020304" pitchFamily="18" charset="0"/>
+                <a:cs typeface="Times New Roman" panose="02020603050405020304" pitchFamily="18" charset="0"/>
+              </a:rPr>
+              <a:t>当然</a:t>
+            </a:r>
+            <a:r>
+              <a:rPr kumimoji="1" lang="zh-CN" altLang="en-US" sz="1050" dirty="0">
+                <a:solidFill>
+                  <a:schemeClr val="bg1">
+                    <a:lumMod val="65000"/>
+                  </a:schemeClr>
+                </a:solidFill>
+                <a:latin typeface="Times New Roman" panose="02020603050405020304" pitchFamily="18" charset="0"/>
+                <a:cs typeface="Times New Roman" panose="02020603050405020304" pitchFamily="18" charset="0"/>
+              </a:rPr>
+              <a:t>我们也可以找到一些办法把这个做好</a:t>
+            </a:r>
+            <a:r>
+              <a:rPr kumimoji="1" lang="en-US" altLang="zh-CN" sz="1050" dirty="0">
+                <a:solidFill>
+                  <a:schemeClr val="bg1">
+                    <a:lumMod val="65000"/>
+                  </a:schemeClr>
+                </a:solidFill>
+                <a:latin typeface="Times New Roman" panose="02020603050405020304" pitchFamily="18" charset="0"/>
+                <a:cs typeface="Times New Roman" panose="02020603050405020304" pitchFamily="18" charset="0"/>
+              </a:rPr>
+              <a:t>,</a:t>
+            </a:r>
+            <a:r>
+              <a:rPr kumimoji="1" lang="zh-CN" altLang="en-US" sz="1050" dirty="0">
+                <a:solidFill>
+                  <a:schemeClr val="bg1">
+                    <a:lumMod val="65000"/>
+                  </a:schemeClr>
+                </a:solidFill>
+                <a:latin typeface="Times New Roman" panose="02020603050405020304" pitchFamily="18" charset="0"/>
+                <a:cs typeface="Times New Roman" panose="02020603050405020304" pitchFamily="18" charset="0"/>
+              </a:rPr>
+              <a:t> 后面会说</a:t>
+            </a:r>
+            <a:r>
+              <a:rPr kumimoji="1" lang="en-US" altLang="zh-CN" sz="1050" dirty="0">
+                <a:solidFill>
+                  <a:schemeClr val="bg1">
+                    <a:lumMod val="65000"/>
+                  </a:schemeClr>
+                </a:solidFill>
+                <a:latin typeface="Times New Roman" panose="02020603050405020304" pitchFamily="18" charset="0"/>
+                <a:cs typeface="Times New Roman" panose="02020603050405020304" pitchFamily="18" charset="0"/>
+              </a:rPr>
+              <a:t>!</a:t>
+            </a:r>
+            <a:r>
+              <a:rPr kumimoji="1" lang="zh-CN" altLang="en-US" sz="1050" dirty="0">
+                <a:solidFill>
+                  <a:schemeClr val="bg1">
+                    <a:lumMod val="65000"/>
+                  </a:schemeClr>
+                </a:solidFill>
+                <a:latin typeface="Times New Roman" panose="02020603050405020304" pitchFamily="18" charset="0"/>
+                <a:cs typeface="Times New Roman" panose="02020603050405020304" pitchFamily="18" charset="0"/>
+              </a:rPr>
+              <a:t> </a:t>
+            </a:r>
+          </a:p>
+        </p:txBody>
+      </p:sp>
+    </p:spTree>
+    <p:extLst>
+      <p:ext uri="{BB962C8B-B14F-4D97-AF65-F5344CB8AC3E}">
+        <p14:creationId xmlns:p14="http://schemas.microsoft.com/office/powerpoint/2010/main" val="3644130617"/>
+      </p:ext>
+    </p:extLst>
+  </p:cSld>
+  <p:clrMapOvr>
+    <a:masterClrMapping/>
+  </p:clrMapOvr>
+</p:sld>
+</file>
+
+<file path=ppt/slides/slide9.xml><?xml version="1.0" encoding="utf-8"?>
+<p:sld xmlns:a="http://schemas.openxmlformats.org/drawingml/2006/main" xmlns:r="http://schemas.openxmlformats.org/officeDocument/2006/relationships" xmlns:p="http://schemas.openxmlformats.org/presentationml/2006/main">
+  <p:cSld>
+    <p:spTree>
+      <p:nvGrpSpPr>
+        <p:cNvPr id="1" name=""/>
+        <p:cNvGrpSpPr/>
+        <p:nvPr/>
+      </p:nvGrpSpPr>
+      <p:grpSpPr>
+        <a:xfrm>
+          <a:off x="0" y="0"/>
+          <a:ext cx="0" cy="0"/>
+          <a:chOff x="0" y="0"/>
+          <a:chExt cx="0" cy="0"/>
+        </a:xfrm>
+      </p:grpSpPr>
+      <p:sp>
+        <p:nvSpPr>
+          <p:cNvPr id="2" name="Slide Number Placeholder 1">
+            <a:extLst>
+              <a:ext uri="{FF2B5EF4-FFF2-40B4-BE49-F238E27FC236}">
+                <a16:creationId xmlns:a16="http://schemas.microsoft.com/office/drawing/2014/main" id="{FFF0F4F4-5874-CC7E-D4C3-5D311621CEC7}"/>
+              </a:ext>
+            </a:extLst>
+          </p:cNvPr>
+          <p:cNvSpPr>
+            <a:spLocks noGrp="1"/>
+          </p:cNvSpPr>
+          <p:nvPr>
+            <p:ph type="sldNum" sz="quarter" idx="12"/>
+          </p:nvPr>
+        </p:nvSpPr>
+        <p:spPr/>
+        <p:txBody>
+          <a:bodyPr/>
+          <a:lstStyle/>
+          <a:p>
+            <a:fld id="{7A304655-5D53-B746-8252-3F5A598C52D3}" type="slidenum">
+              <a:rPr lang="en-CN" smtClean="0"/>
+              <a:pPr/>
+              <a:t>9</a:t>
+            </a:fld>
+            <a:endParaRPr lang="en-CN"/>
+          </a:p>
+        </p:txBody>
+      </p:sp>
+      <p:sp>
+        <p:nvSpPr>
+          <p:cNvPr id="3" name="Title 2">
+            <a:extLst>
+              <a:ext uri="{FF2B5EF4-FFF2-40B4-BE49-F238E27FC236}">
+                <a16:creationId xmlns:a16="http://schemas.microsoft.com/office/drawing/2014/main" id="{82015B4C-25DD-A46F-19E2-814D60FBAAA2}"/>
+              </a:ext>
+            </a:extLst>
+          </p:cNvPr>
+          <p:cNvSpPr>
+            <a:spLocks noGrp="1"/>
+          </p:cNvSpPr>
+          <p:nvPr>
+            <p:ph type="title"/>
+          </p:nvPr>
+        </p:nvSpPr>
+        <p:spPr/>
+        <p:txBody>
+          <a:bodyPr/>
+          <a:lstStyle/>
+          <a:p>
+            <a:r>
+              <a:rPr kumimoji="1" lang="zh-CN" altLang="en-US" dirty="0"/>
+              <a:t>关于教学质量</a:t>
+            </a:r>
+          </a:p>
+        </p:txBody>
+      </p:sp>
+      <p:grpSp>
+        <p:nvGrpSpPr>
+          <p:cNvPr id="6" name="Group 5">
+            <a:extLst>
+              <a:ext uri="{FF2B5EF4-FFF2-40B4-BE49-F238E27FC236}">
+                <a16:creationId xmlns:a16="http://schemas.microsoft.com/office/drawing/2014/main" id="{EA8B3393-4F5C-C04B-3CA5-D08FDDDA74E8}"/>
+              </a:ext>
+            </a:extLst>
+          </p:cNvPr>
+          <p:cNvGrpSpPr/>
+          <p:nvPr/>
+        </p:nvGrpSpPr>
+        <p:grpSpPr>
+          <a:xfrm>
+            <a:off x="628650" y="1265425"/>
+            <a:ext cx="7624099" cy="1571560"/>
+            <a:chOff x="628650" y="2280213"/>
+            <a:chExt cx="7624099" cy="1571560"/>
+          </a:xfrm>
+        </p:grpSpPr>
+        <p:sp>
+          <p:nvSpPr>
+            <p:cNvPr id="7" name="Rounded Rectangle 6">
+              <a:extLst>
+                <a:ext uri="{FF2B5EF4-FFF2-40B4-BE49-F238E27FC236}">
+                  <a16:creationId xmlns:a16="http://schemas.microsoft.com/office/drawing/2014/main" id="{4250BE43-0DF8-9B20-E066-A6DC3C541151}"/>
+                </a:ext>
+              </a:extLst>
+            </p:cNvPr>
+            <p:cNvSpPr/>
+            <p:nvPr/>
+          </p:nvSpPr>
+          <p:spPr>
+            <a:xfrm>
+              <a:off x="628650" y="2592729"/>
+              <a:ext cx="7624099" cy="1259044"/>
+            </a:xfrm>
+            <a:prstGeom prst="roundRect">
+              <a:avLst/>
+            </a:prstGeom>
+            <a:solidFill>
+              <a:schemeClr val="accent1">
+                <a:alpha val="22261"/>
+              </a:schemeClr>
+            </a:solidFill>
+            <a:ln>
+              <a:solidFill>
+                <a:schemeClr val="accent1">
+                  <a:shade val="50000"/>
+                </a:schemeClr>
+              </a:solidFill>
+            </a:ln>
+            <a:effectLst>
+              <a:outerShdw blurRad="50800" dist="38100" algn="l" rotWithShape="0">
+                <a:prstClr val="black">
+                  <a:alpha val="40000"/>
+                </a:prstClr>
+              </a:outerShdw>
+            </a:effectLst>
+          </p:spPr>
+          <p:style>
+            <a:lnRef idx="2">
+              <a:schemeClr val="accent1">
+                <a:shade val="50000"/>
+              </a:schemeClr>
+            </a:lnRef>
+            <a:fillRef idx="1">
+              <a:schemeClr val="accent1"/>
+            </a:fillRef>
+            <a:effectRef idx="0">
+              <a:schemeClr val="accent1"/>
+            </a:effectRef>
+            <a:fontRef idx="minor">
+              <a:schemeClr val="lt1"/>
+            </a:fontRef>
+          </p:style>
+          <p:txBody>
+            <a:bodyPr rtlCol="0" anchor="ctr"/>
+            <a:lstStyle/>
+            <a:p>
+              <a:pPr algn="ctr"/>
+              <a:endParaRPr kumimoji="1" lang="zh-CN" altLang="en-US"/>
+            </a:p>
+          </p:txBody>
+        </p:sp>
+        <p:sp>
+          <p:nvSpPr>
+            <p:cNvPr id="8" name="Rectangle 7">
+              <a:extLst>
+                <a:ext uri="{FF2B5EF4-FFF2-40B4-BE49-F238E27FC236}">
+                  <a16:creationId xmlns:a16="http://schemas.microsoft.com/office/drawing/2014/main" id="{E4EDD2EB-0B69-E9BC-87DF-3A7A798B41D3}"/>
+                </a:ext>
+              </a:extLst>
+            </p:cNvPr>
+            <p:cNvSpPr/>
+            <p:nvPr/>
+          </p:nvSpPr>
+          <p:spPr>
+            <a:xfrm>
+              <a:off x="868100" y="2280213"/>
+              <a:ext cx="1443218" cy="312516"/>
+            </a:xfrm>
+            <a:prstGeom prst="rect">
+              <a:avLst/>
+            </a:prstGeom>
+          </p:spPr>
+          <p:style>
+            <a:lnRef idx="2">
+              <a:schemeClr val="accent1">
+                <a:shade val="50000"/>
+              </a:schemeClr>
+            </a:lnRef>
+            <a:fillRef idx="1">
+              <a:schemeClr val="accent1"/>
+            </a:fillRef>
+            <a:effectRef idx="0">
+              <a:schemeClr val="accent1"/>
+            </a:effectRef>
+            <a:fontRef idx="minor">
+              <a:schemeClr val="lt1"/>
+            </a:fontRef>
+          </p:style>
+          <p:txBody>
+            <a:bodyPr rtlCol="0" anchor="ctr"/>
+            <a:lstStyle/>
+            <a:p>
+              <a:pPr algn="ctr"/>
+              <a:r>
+                <a:rPr kumimoji="1" lang="zh-CN" altLang="en-US" dirty="0"/>
+                <a:t>提示</a:t>
+              </a:r>
+            </a:p>
+          </p:txBody>
+        </p:sp>
+        <p:sp>
+          <p:nvSpPr>
+            <p:cNvPr id="9" name="TextBox 8">
+              <a:extLst>
+                <a:ext uri="{FF2B5EF4-FFF2-40B4-BE49-F238E27FC236}">
+                  <a16:creationId xmlns:a16="http://schemas.microsoft.com/office/drawing/2014/main" id="{25199225-AE57-64DA-4A8D-B25C9F6723BA}"/>
+                </a:ext>
+              </a:extLst>
+            </p:cNvPr>
+            <p:cNvSpPr txBox="1"/>
+            <p:nvPr/>
+          </p:nvSpPr>
+          <p:spPr>
+            <a:xfrm>
+              <a:off x="844951" y="2761005"/>
+              <a:ext cx="6377651" cy="923330"/>
+            </a:xfrm>
+            <a:prstGeom prst="rect">
+              <a:avLst/>
+            </a:prstGeom>
+            <a:noFill/>
+          </p:spPr>
+          <p:txBody>
+            <a:bodyPr wrap="square">
+              <a:spAutoFit/>
+            </a:bodyPr>
+            <a:lstStyle/>
+            <a:p>
+              <a:r>
+                <a:rPr kumimoji="1" lang="zh-CN" altLang="en-US" dirty="0"/>
+                <a:t>我们总是可以做一点有趣的事情来做的更好</a:t>
+              </a:r>
+              <a:r>
+                <a:rPr kumimoji="1" lang="en-US" altLang="zh-CN" dirty="0"/>
+                <a:t>.</a:t>
+              </a:r>
+              <a:r>
+                <a:rPr kumimoji="1" lang="zh-CN" altLang="en-US" dirty="0"/>
+                <a:t> 并不是任何一个</a:t>
+              </a:r>
+              <a:r>
+                <a:rPr kumimoji="1" lang="en-US" altLang="zh-CN" dirty="0"/>
+                <a:t>985</a:t>
+              </a:r>
+              <a:r>
+                <a:rPr kumimoji="1" lang="zh-CN" altLang="en-US" dirty="0"/>
+                <a:t>的学校的学生就一定</a:t>
+              </a:r>
+              <a:r>
+                <a:rPr kumimoji="1" lang="en-US" altLang="zh-CN" dirty="0"/>
+                <a:t>211,</a:t>
+              </a:r>
+              <a:r>
+                <a:rPr kumimoji="1" lang="zh-CN" altLang="en-US" dirty="0"/>
+                <a:t> 一本的学生做得好</a:t>
+              </a:r>
+              <a:r>
+                <a:rPr kumimoji="1" lang="en-US" altLang="zh-CN" dirty="0"/>
+                <a:t>.</a:t>
+              </a:r>
+              <a:r>
+                <a:rPr kumimoji="1" lang="zh-CN" altLang="en-US" dirty="0"/>
+                <a:t> 随着互联网的发展</a:t>
+              </a:r>
+              <a:r>
+                <a:rPr kumimoji="1" lang="en-US" altLang="zh-CN" dirty="0"/>
+                <a:t>,</a:t>
+              </a:r>
+              <a:r>
+                <a:rPr kumimoji="1" lang="zh-CN" altLang="en-US" dirty="0"/>
+                <a:t> 我们总是可以找到更好的资源</a:t>
+              </a:r>
+              <a:r>
+                <a:rPr kumimoji="1" lang="en-US" altLang="zh-CN" dirty="0"/>
+                <a:t>.</a:t>
+              </a:r>
+              <a:r>
+                <a:rPr kumimoji="1" lang="zh-CN" altLang="en-US" dirty="0"/>
+                <a:t> </a:t>
+              </a:r>
+            </a:p>
+          </p:txBody>
+        </p:sp>
+      </p:grpSp>
+      <p:pic>
+        <p:nvPicPr>
+          <p:cNvPr id="5" name="Picture 4">
+            <a:extLst>
+              <a:ext uri="{FF2B5EF4-FFF2-40B4-BE49-F238E27FC236}">
+                <a16:creationId xmlns:a16="http://schemas.microsoft.com/office/drawing/2014/main" id="{B03FB32D-DBBC-0890-8A24-BEF37923A004}"/>
+              </a:ext>
+            </a:extLst>
+          </p:cNvPr>
+          <p:cNvPicPr>
+            <a:picLocks noChangeAspect="1"/>
+          </p:cNvPicPr>
+          <p:nvPr/>
+        </p:nvPicPr>
+        <p:blipFill>
+          <a:blip r:embed="rId2"/>
+          <a:stretch>
+            <a:fillRect/>
+          </a:stretch>
+        </p:blipFill>
+        <p:spPr>
+          <a:xfrm>
+            <a:off x="510555" y="3270738"/>
+            <a:ext cx="3396688" cy="2548512"/>
+          </a:xfrm>
+          <a:prstGeom prst="rect">
+            <a:avLst/>
+          </a:prstGeom>
+        </p:spPr>
+      </p:pic>
+      <p:sp>
+        <p:nvSpPr>
+          <p:cNvPr id="10" name="TextBox 9">
+            <a:extLst>
+              <a:ext uri="{FF2B5EF4-FFF2-40B4-BE49-F238E27FC236}">
+                <a16:creationId xmlns:a16="http://schemas.microsoft.com/office/drawing/2014/main" id="{27E44CCB-1D0C-C612-0F85-14C5DC1EC5CE}"/>
+              </a:ext>
+            </a:extLst>
+          </p:cNvPr>
+          <p:cNvSpPr txBox="1"/>
+          <p:nvPr/>
+        </p:nvSpPr>
+        <p:spPr>
+          <a:xfrm>
+            <a:off x="4440699" y="4021016"/>
+            <a:ext cx="4019049" cy="923330"/>
+          </a:xfrm>
+          <a:prstGeom prst="rect">
+            <a:avLst/>
+          </a:prstGeom>
+          <a:noFill/>
+        </p:spPr>
+        <p:txBody>
+          <a:bodyPr wrap="none" rtlCol="0">
+            <a:spAutoFit/>
+          </a:bodyPr>
+          <a:lstStyle/>
+          <a:p>
+            <a:r>
+              <a:rPr kumimoji="1" lang="zh-CN" altLang="en-US" dirty="0"/>
+              <a:t>图为某</a:t>
+            </a:r>
+            <a:r>
+              <a:rPr kumimoji="1" lang="en-US" altLang="zh-CN" dirty="0"/>
+              <a:t>985</a:t>
+            </a:r>
+            <a:r>
+              <a:rPr kumimoji="1" lang="zh-CN" altLang="en-US" dirty="0"/>
+              <a:t>高校非计算机系上课的</a:t>
+            </a:r>
+            <a:r>
+              <a:rPr kumimoji="1" lang="en-US" altLang="zh-CN" dirty="0"/>
+              <a:t>PPT</a:t>
+            </a:r>
+          </a:p>
+          <a:p>
+            <a:endParaRPr kumimoji="1" lang="en-US" altLang="zh-CN" dirty="0"/>
+          </a:p>
+          <a:p>
+            <a:pPr algn="ctr"/>
+            <a:r>
+              <a:rPr kumimoji="1" lang="zh-CN" altLang="en-US" dirty="0"/>
+              <a:t>这么学</a:t>
+            </a:r>
+            <a:r>
+              <a:rPr kumimoji="1" lang="en-US" altLang="zh-CN" dirty="0"/>
+              <a:t>,</a:t>
+            </a:r>
+            <a:r>
+              <a:rPr kumimoji="1" lang="zh-CN" altLang="en-US" dirty="0"/>
+              <a:t> 第一遍当然学起来很累</a:t>
+            </a:r>
+            <a:r>
+              <a:rPr kumimoji="1" lang="en-US" altLang="zh-CN" dirty="0"/>
+              <a:t>!</a:t>
+            </a:r>
+            <a:endParaRPr kumimoji="1" lang="zh-CN" altLang="en-US" dirty="0"/>
+          </a:p>
+        </p:txBody>
+      </p:sp>
+    </p:spTree>
+    <p:extLst>
+      <p:ext uri="{BB962C8B-B14F-4D97-AF65-F5344CB8AC3E}">
+        <p14:creationId xmlns:p14="http://schemas.microsoft.com/office/powerpoint/2010/main" val="105739882"/>
       </p:ext>
     </p:extLst>
   </p:cSld>
